--- a/article.pptx
+++ b/article.pptx
@@ -15,6 +15,15 @@
     <p:sldId id="265" r:id="rId9"/>
     <p:sldId id="266" r:id="rId10"/>
     <p:sldId id="267" r:id="rId11"/>
+    <p:sldId id="268" r:id="rId12"/>
+    <p:sldId id="269" r:id="rId13"/>
+    <p:sldId id="270" r:id="rId14"/>
+    <p:sldId id="271" r:id="rId15"/>
+    <p:sldId id="272" r:id="rId16"/>
+    <p:sldId id="273" r:id="rId17"/>
+    <p:sldId id="274" r:id="rId18"/>
+    <p:sldId id="276" r:id="rId19"/>
+    <p:sldId id="277" r:id="rId20"/>
   </p:sldIdLst>
   <p:sldSz cx="12192000" cy="6858000"/>
   <p:notesSz cx="6858000" cy="9144000"/>
@@ -4282,6 +4291,1603 @@
 </p:sld>
 </file>
 
+<file path=ppt/slides/slide11.xml><?xml version="1.0" encoding="utf-8"?>
+<p:sld xmlns:a="http://schemas.openxmlformats.org/drawingml/2006/main" xmlns:r="http://schemas.openxmlformats.org/officeDocument/2006/relationships" xmlns:p="http://schemas.openxmlformats.org/presentationml/2006/main">
+  <p:cSld>
+    <p:spTree>
+      <p:nvGrpSpPr>
+        <p:cNvPr id="1" name=""/>
+        <p:cNvGrpSpPr/>
+        <p:nvPr/>
+      </p:nvGrpSpPr>
+      <p:grpSpPr>
+        <a:xfrm>
+          <a:off x="0" y="0"/>
+          <a:ext cx="0" cy="0"/>
+          <a:chOff x="0" y="0"/>
+          <a:chExt cx="0" cy="0"/>
+        </a:xfrm>
+      </p:grpSpPr>
+      <p:sp>
+        <p:nvSpPr>
+          <p:cNvPr id="3" name="Content Placeholder 2"/>
+          <p:cNvSpPr>
+            <a:spLocks noGrp="1"/>
+          </p:cNvSpPr>
+          <p:nvPr>
+            <p:ph idx="1"/>
+          </p:nvPr>
+        </p:nvSpPr>
+        <p:spPr>
+          <a:xfrm>
+            <a:off x="581192" y="718457"/>
+            <a:ext cx="11029615" cy="5564777"/>
+          </a:xfrm>
+        </p:spPr>
+        <p:txBody>
+          <a:bodyPr>
+            <a:normAutofit fontScale="85000" lnSpcReduction="10000"/>
+          </a:bodyPr>
+          <a:lstStyle/>
+          <a:p>
+            <a:pPr algn="just" rtl="1"/>
+            <a:r>
+              <a:rPr lang="fa-IR" sz="2400" dirty="0" smtClean="0"/>
+              <a:t>2</a:t>
+            </a:r>
+            <a:r>
+              <a:rPr lang="fa-IR" sz="2400" dirty="0"/>
+              <a:t>  کار مرتبط </a:t>
+            </a:r>
+            <a:r>
+              <a:rPr lang="fa-IR" sz="2400" dirty="0" smtClean="0"/>
+              <a:t>:</a:t>
+            </a:r>
+          </a:p>
+          <a:p>
+            <a:pPr marL="0" indent="0" algn="just" rtl="1">
+              <a:buNone/>
+            </a:pPr>
+            <a:r>
+              <a:rPr lang="fa-IR" sz="2400" dirty="0"/>
+              <a:t>  روش های سنتی داده کاوی و یادگیری ماشین نمی توانند برای کنترل فضای ویژگی های ابعادی بالا مناسب باشند. عملکرد آنها اغلب به دلیل انتخاب نادرست ویژگی، که با تکنیک های خودکار به دست می آید، تنزل می یابد. برای کاهش تأثیر منفی ویژگی‌های نامربوط و زائد، الگوریتم‌های انتخاب ویژگی بسیاری در </a:t>
+            </a:r>
+            <a:r>
+              <a:rPr lang="fa-IR" sz="2400" dirty="0" smtClean="0"/>
+              <a:t>مقالات </a:t>
+            </a:r>
+            <a:r>
+              <a:rPr lang="fa-IR" sz="2400" dirty="0"/>
+              <a:t>توسعه داده </a:t>
+            </a:r>
+            <a:r>
+              <a:rPr lang="fa-IR" sz="2400" dirty="0" smtClean="0"/>
+              <a:t>شده‌اند. </a:t>
+            </a:r>
+            <a:r>
+              <a:rPr lang="fa-IR" sz="2400" dirty="0"/>
+              <a:t>انتخاب ویژگی اغلب به عنوان یک مسئله بهینه‌سازی با هدف یافتن زیرمجموعه بهینه (تقریباً) مورد مطالعه قرار می‌گیرد، اما انجام استراتژی‌های جستجوی جامع در این زمینه کاملاً غیرعملی است، به‌ویژه با توجه به فضاهای ویژگی </a:t>
+            </a:r>
+            <a:r>
+              <a:rPr lang="fa-IR" sz="2400" dirty="0" smtClean="0"/>
+              <a:t>بزرگ. </a:t>
+            </a:r>
+          </a:p>
+          <a:p>
+            <a:pPr marL="0" indent="0" algn="just" rtl="1">
+              <a:buNone/>
+            </a:pPr>
+            <a:r>
+              <a:rPr lang="fa-IR" sz="2400" dirty="0" smtClean="0"/>
+              <a:t>بسته </a:t>
+            </a:r>
+            <a:r>
+              <a:rPr lang="fa-IR" sz="2400" dirty="0"/>
+              <a:t>به روش یادگیری، انتخاب ویژگی معمولاً به دو رویکرد عمده تقسیم می‌شود: </a:t>
+            </a:r>
+            <a:endParaRPr lang="fa-IR" sz="2400" dirty="0" smtClean="0"/>
+          </a:p>
+          <a:p>
+            <a:pPr marL="0" indent="0" algn="just" rtl="1">
+              <a:buNone/>
+            </a:pPr>
+            <a:r>
+              <a:rPr lang="fa-IR" sz="2400" dirty="0" smtClean="0"/>
+              <a:t>پوششی </a:t>
+            </a:r>
+            <a:r>
+              <a:rPr lang="fa-IR" sz="2400" dirty="0"/>
+              <a:t>که از روش‌های یادگیری برای ارزیابی زیرمجموعه‌های بهتر مجموعه ویژگی‌ها استفاده می‌کند. </a:t>
+            </a:r>
+            <a:endParaRPr lang="fa-IR" sz="2400" dirty="0" smtClean="0"/>
+          </a:p>
+          <a:p>
+            <a:pPr marL="0" indent="0" algn="just" rtl="1">
+              <a:buNone/>
+            </a:pPr>
+            <a:r>
+              <a:rPr lang="fa-IR" sz="2400" dirty="0" smtClean="0"/>
+              <a:t>فیلتری </a:t>
+            </a:r>
+            <a:r>
+              <a:rPr lang="fa-IR" sz="2400" dirty="0"/>
+              <a:t>که برای ارزیابی زیرمجموعه ویژگی ها بر ویژگی های اصلی داده ها تکیه دارد و مستقل از الگوریتم القایی است</a:t>
+            </a:r>
+            <a:r>
+              <a:rPr lang="fa-IR" sz="2400" dirty="0" smtClean="0"/>
+              <a:t>.</a:t>
+            </a:r>
+          </a:p>
+          <a:p>
+            <a:pPr marL="0" indent="0" algn="just" rtl="1">
+              <a:buNone/>
+            </a:pPr>
+            <a:r>
+              <a:rPr lang="fa-IR" sz="2400" dirty="0" smtClean="0"/>
+              <a:t> </a:t>
+            </a:r>
+            <a:r>
+              <a:rPr lang="en-US" sz="2400" dirty="0"/>
+              <a:t>Wrapper </a:t>
+            </a:r>
+            <a:r>
+              <a:rPr lang="fa-IR" sz="2400" dirty="0"/>
+              <a:t>ها به طور گسترده ای برای دقت طبقه </a:t>
+            </a:r>
+            <a:r>
+              <a:rPr lang="fa-IR" sz="2400" dirty="0" smtClean="0"/>
+              <a:t>بندی </a:t>
+            </a:r>
+            <a:r>
+              <a:rPr lang="fa-IR" sz="2400" dirty="0"/>
+              <a:t>و تکنیک های بهینه سازی برای یافتن بهترین ترکیب از ویژگی </a:t>
+            </a:r>
+            <a:r>
+              <a:rPr lang="fa-IR" sz="2400" dirty="0" smtClean="0"/>
+              <a:t>ها </a:t>
+            </a:r>
+            <a:r>
+              <a:rPr lang="fa-IR" sz="2400" dirty="0"/>
+              <a:t>از جمله الگوریتم های تکاملی یا بهینه سازی ازدحام ذرات مورد بررسی قرار گرفته اند. روش‌های تصادفی و به‌ویژه روش‌های فراابتکاری نیز برای انتخاب مجموعه ویژگی‌های بهینه در انتخاب ویژگی اتخاذ می‌شوند: آنها در مقایسه با الگوریتم‌های بهینه‌سازی مرسوم‌تر روی مسائل بهینه محلی بهتر کار می‌کنند </a:t>
+            </a:r>
+            <a:r>
+              <a:rPr lang="fa-IR" sz="2400" dirty="0" smtClean="0"/>
+              <a:t>. </a:t>
+            </a:r>
+            <a:r>
+              <a:rPr lang="fa-IR" sz="2400" dirty="0"/>
+              <a:t>به طور خاص، الگوریتم‌های </a:t>
+            </a:r>
+            <a:r>
+              <a:rPr lang="en-US" sz="2400" dirty="0"/>
+              <a:t>PSO </a:t>
+            </a:r>
+            <a:r>
+              <a:rPr lang="fa-IR" sz="2400" dirty="0"/>
+              <a:t>به طور گسترده برای انتخاب مهم‌ترین ویژگی‌ها برای انجام یک کار خاص یادگیری ماشینی مورد استفاده قرار گرفته‌اند. </a:t>
+            </a:r>
+            <a:endParaRPr lang="fa-IR" sz="2400" dirty="0" smtClean="0"/>
+          </a:p>
+        </p:txBody>
+      </p:sp>
+    </p:spTree>
+    <p:extLst>
+      <p:ext uri="{BB962C8B-B14F-4D97-AF65-F5344CB8AC3E}">
+        <p14:creationId xmlns:p14="http://schemas.microsoft.com/office/powerpoint/2010/main" val="2951219405"/>
+      </p:ext>
+    </p:extLst>
+  </p:cSld>
+  <p:clrMapOvr>
+    <a:masterClrMapping/>
+  </p:clrMapOvr>
+</p:sld>
+</file>
+
+<file path=ppt/slides/slide12.xml><?xml version="1.0" encoding="utf-8"?>
+<p:sld xmlns:a="http://schemas.openxmlformats.org/drawingml/2006/main" xmlns:r="http://schemas.openxmlformats.org/officeDocument/2006/relationships" xmlns:p="http://schemas.openxmlformats.org/presentationml/2006/main">
+  <p:cSld>
+    <p:spTree>
+      <p:nvGrpSpPr>
+        <p:cNvPr id="1" name=""/>
+        <p:cNvGrpSpPr/>
+        <p:nvPr/>
+      </p:nvGrpSpPr>
+      <p:grpSpPr>
+        <a:xfrm>
+          <a:off x="0" y="0"/>
+          <a:ext cx="0" cy="0"/>
+          <a:chOff x="0" y="0"/>
+          <a:chExt cx="0" cy="0"/>
+        </a:xfrm>
+      </p:grpSpPr>
+      <p:sp>
+        <p:nvSpPr>
+          <p:cNvPr id="3" name="Content Placeholder 2"/>
+          <p:cNvSpPr>
+            <a:spLocks noGrp="1"/>
+          </p:cNvSpPr>
+          <p:nvPr>
+            <p:ph idx="1"/>
+          </p:nvPr>
+        </p:nvSpPr>
+        <p:spPr>
+          <a:xfrm>
+            <a:off x="581192" y="718457"/>
+            <a:ext cx="11029615" cy="5564777"/>
+          </a:xfrm>
+        </p:spPr>
+        <p:txBody>
+          <a:bodyPr>
+            <a:normAutofit/>
+          </a:bodyPr>
+          <a:lstStyle/>
+          <a:p>
+            <a:pPr algn="just" rtl="1"/>
+            <a:r>
+              <a:rPr lang="fa-IR" sz="2400" dirty="0" smtClean="0"/>
+              <a:t>2</a:t>
+            </a:r>
+            <a:r>
+              <a:rPr lang="fa-IR" sz="2400" dirty="0"/>
+              <a:t>  کار مرتبط </a:t>
+            </a:r>
+            <a:r>
+              <a:rPr lang="fa-IR" sz="2400" dirty="0" smtClean="0"/>
+              <a:t>:</a:t>
+            </a:r>
+          </a:p>
+          <a:p>
+            <a:pPr marL="0" indent="0" algn="just" rtl="1">
+              <a:buNone/>
+            </a:pPr>
+            <a:r>
+              <a:rPr lang="fa-IR" sz="2400" dirty="0"/>
+              <a:t>  مدل </a:t>
+            </a:r>
+            <a:r>
+              <a:rPr lang="en-US" sz="2400" dirty="0"/>
+              <a:t>PCA </a:t>
+            </a:r>
+            <a:r>
+              <a:rPr lang="fa-IR" sz="2400" dirty="0" smtClean="0"/>
+              <a:t>(تجزیه </a:t>
+            </a:r>
+            <a:r>
+              <a:rPr lang="fa-IR" sz="2400" dirty="0"/>
+              <a:t>و تحلیل مؤلفه اصلی) که برای کاهش ابعاد داده ها اعمال می شود، تبدیل خطی متغیرهایی را که داده ها را در یک سیستم دکارتی جدید نمایش می دهند، اعمال می کند. با این حال، این رویکرد در روش‌های طبقه‌بندی مفید نیست، زیرا انتخاب ویژگی‌های پیش‌بینی‌شده با بالاترین واریانس لزوماً به عملکرد طبقه‌بندی مرتبط نیست. تغییرات تکنیک </a:t>
+            </a:r>
+            <a:r>
+              <a:rPr lang="en-US" sz="2400" dirty="0"/>
+              <a:t>PCA </a:t>
+            </a:r>
+            <a:r>
+              <a:rPr lang="fa-IR" sz="2400" dirty="0"/>
+              <a:t>مانند روش </a:t>
+            </a:r>
+            <a:r>
+              <a:rPr lang="en-US" sz="2400" dirty="0"/>
+              <a:t>LDA </a:t>
+            </a:r>
+            <a:r>
+              <a:rPr lang="fa-IR" sz="2400" dirty="0" smtClean="0"/>
+              <a:t>(تحلیل </a:t>
+            </a:r>
+            <a:r>
+              <a:rPr lang="fa-IR" sz="2400" dirty="0"/>
+              <a:t>متمایز خطی) </a:t>
+            </a:r>
+            <a:r>
+              <a:rPr lang="fa-IR" sz="2400" dirty="0" smtClean="0"/>
+              <a:t>ترکیبی </a:t>
+            </a:r>
+            <a:r>
+              <a:rPr lang="fa-IR" sz="2400" dirty="0"/>
+              <a:t>خطی از ویژگی‌ها را پیدا می‌کند که جداسازی کلاس‌ها را به حداکثر می‌رساند. ترکیب ویژگی حاصل ممکن است برای یک طبقه‌بندی خطی یا معمولاً برای کاهش ابعاد، قبل از اعمال طبقه‌بندی بعدی استفاده شود. زمانی که </a:t>
+            </a:r>
+            <a:r>
+              <a:rPr lang="en-US" sz="2400" dirty="0"/>
+              <a:t>LDA </a:t>
+            </a:r>
+            <a:r>
+              <a:rPr lang="fa-IR" sz="2400" dirty="0"/>
+              <a:t>برای داده‌های ابعادی بالا اعمال می‌شود، در معرض مشکل معروف «نفرین ابعاد» قرار می‌گیرد، زیرا نیاز به افزایش مقدار داده (برای پشتیبانی از نتیجه) اغلب به‌طور </a:t>
+            </a:r>
+            <a:r>
+              <a:rPr lang="fa-IR" sz="2400" dirty="0" smtClean="0"/>
+              <a:t>تصاعدی </a:t>
+            </a:r>
+            <a:r>
+              <a:rPr lang="fa-IR" sz="2400" dirty="0"/>
+              <a:t>ابعاد افزایش می‌یابد. با توجه به پدیده اوج گیری </a:t>
+            </a:r>
+            <a:r>
+              <a:rPr lang="fa-IR" sz="2400" dirty="0" smtClean="0"/>
+              <a:t>، </a:t>
+            </a:r>
+            <a:r>
+              <a:rPr lang="fa-IR" sz="2400" dirty="0"/>
+              <a:t>عملکرد طبقه بندی کننده با افزایش تعداد ویژگی ها کاهش می یابد.</a:t>
+            </a:r>
+            <a:endParaRPr lang="en-US" sz="2400" dirty="0"/>
+          </a:p>
+        </p:txBody>
+      </p:sp>
+    </p:spTree>
+    <p:extLst>
+      <p:ext uri="{BB962C8B-B14F-4D97-AF65-F5344CB8AC3E}">
+        <p14:creationId xmlns:p14="http://schemas.microsoft.com/office/powerpoint/2010/main" val="1742491864"/>
+      </p:ext>
+    </p:extLst>
+  </p:cSld>
+  <p:clrMapOvr>
+    <a:masterClrMapping/>
+  </p:clrMapOvr>
+</p:sld>
+</file>
+
+<file path=ppt/slides/slide13.xml><?xml version="1.0" encoding="utf-8"?>
+<p:sld xmlns:a="http://schemas.openxmlformats.org/drawingml/2006/main" xmlns:r="http://schemas.openxmlformats.org/officeDocument/2006/relationships" xmlns:p="http://schemas.openxmlformats.org/presentationml/2006/main">
+  <p:cSld>
+    <p:spTree>
+      <p:nvGrpSpPr>
+        <p:cNvPr id="1" name=""/>
+        <p:cNvGrpSpPr/>
+        <p:nvPr/>
+      </p:nvGrpSpPr>
+      <p:grpSpPr>
+        <a:xfrm>
+          <a:off x="0" y="0"/>
+          <a:ext cx="0" cy="0"/>
+          <a:chOff x="0" y="0"/>
+          <a:chExt cx="0" cy="0"/>
+        </a:xfrm>
+      </p:grpSpPr>
+      <p:sp>
+        <p:nvSpPr>
+          <p:cNvPr id="3" name="Content Placeholder 2"/>
+          <p:cNvSpPr>
+            <a:spLocks noGrp="1"/>
+          </p:cNvSpPr>
+          <p:nvPr>
+            <p:ph idx="1"/>
+          </p:nvPr>
+        </p:nvSpPr>
+        <p:spPr>
+          <a:xfrm>
+            <a:off x="581192" y="718457"/>
+            <a:ext cx="11029615" cy="5564777"/>
+          </a:xfrm>
+        </p:spPr>
+        <p:txBody>
+          <a:bodyPr>
+            <a:normAutofit/>
+          </a:bodyPr>
+          <a:lstStyle/>
+          <a:p>
+            <a:pPr algn="just" rtl="1"/>
+            <a:r>
+              <a:rPr lang="fa-IR" sz="2400" dirty="0" smtClean="0"/>
+              <a:t>2</a:t>
+            </a:r>
+            <a:r>
+              <a:rPr lang="fa-IR" sz="2400" dirty="0"/>
+              <a:t>  انتخاب ویژگی فازی </a:t>
+            </a:r>
+            <a:r>
+              <a:rPr lang="en-US" sz="2400" dirty="0" smtClean="0"/>
+              <a:t>C-Means</a:t>
+            </a:r>
+            <a:endParaRPr lang="fa-IR" sz="2400" dirty="0" smtClean="0"/>
+          </a:p>
+          <a:p>
+            <a:pPr marL="0" indent="0" algn="just" rtl="1">
+              <a:buNone/>
+            </a:pPr>
+            <a:r>
+              <a:rPr lang="fa-IR" sz="2400" dirty="0"/>
+              <a:t>  برخی از آثار الگوریتم‌های کاهش ویژگی‌های محاسباتی نرم را بر اساس الگوریتم فازی </a:t>
+            </a:r>
+            <a:r>
+              <a:rPr lang="en-US" sz="2400" dirty="0"/>
+              <a:t>C-Means (FCM) </a:t>
+            </a:r>
+            <a:r>
+              <a:rPr lang="fa-IR" sz="2400" dirty="0"/>
+              <a:t>پیشنهاد می‌کنند. در خوشه بندی </a:t>
+            </a:r>
+            <a:r>
+              <a:rPr lang="en-US" sz="2400" dirty="0"/>
+              <a:t>FCM، </a:t>
+            </a:r>
+            <a:r>
+              <a:rPr lang="fa-IR" sz="2400" dirty="0"/>
+              <a:t>همانطور </a:t>
+            </a:r>
+            <a:r>
+              <a:rPr lang="fa-IR" sz="2400" dirty="0" smtClean="0"/>
+              <a:t>که </a:t>
+            </a:r>
+            <a:r>
+              <a:rPr lang="fa-IR" sz="2400" dirty="0"/>
+              <a:t>بیان شد، ماهیت ویژگی ها بر مراکز خوشه تاثیر نمی گذارد. با این حال، از مراکز خوشه‌ای می‌توان برای انتخاب ویژگی‌هایی استفاده کرد که می‌توان از آنها برای تمایز بین خوشه‌های شکل مشابه، که مراکز آنها از یکدیگر بسیار دور هستند، استفاده </a:t>
+            </a:r>
+            <a:r>
+              <a:rPr lang="fa-IR" sz="2400" dirty="0" smtClean="0"/>
+              <a:t>کرد.</a:t>
+            </a:r>
+            <a:endParaRPr lang="fa-IR" sz="2400" dirty="0"/>
+          </a:p>
+          <a:p>
+            <a:pPr marL="0" indent="0" algn="just" rtl="1">
+              <a:buNone/>
+            </a:pPr>
+            <a:r>
+              <a:rPr lang="fa-IR" sz="2400" dirty="0" smtClean="0"/>
+              <a:t>در، </a:t>
+            </a:r>
+            <a:r>
+              <a:rPr lang="fa-IR" sz="2400" dirty="0"/>
+              <a:t>یک روش انتخاب ویژگی </a:t>
+            </a:r>
+            <a:r>
+              <a:rPr lang="en-US" sz="2400" dirty="0"/>
+              <a:t>FCM </a:t>
+            </a:r>
+            <a:r>
+              <a:rPr lang="fa-IR" sz="2400" dirty="0"/>
+              <a:t>با اتخاذ روش گرادیان برای به حداقل رساندن تابع هدف فازی توسط معیار اطلاعات واگرایی </a:t>
+            </a:r>
+            <a:r>
+              <a:rPr lang="en-US" sz="2400" dirty="0"/>
+              <a:t>Kullback-Leibler </a:t>
+            </a:r>
+            <a:r>
+              <a:rPr lang="fa-IR" sz="2400" dirty="0"/>
+              <a:t>پیشنهاد شده است. شاخص نسبت فیشر </a:t>
+            </a:r>
+            <a:r>
+              <a:rPr lang="fa-IR" sz="2400" dirty="0" smtClean="0"/>
+              <a:t>برای </a:t>
+            </a:r>
+            <a:r>
+              <a:rPr lang="fa-IR" sz="2400" dirty="0"/>
+              <a:t>انتخاب آموزنده ترین ویژگی ها در مجموعه داده های طبقه بندی سرطان استفاده می شود. نویسندگان نشان می‌دهند که وقتی </a:t>
+            </a:r>
+            <a:r>
+              <a:rPr lang="en-US" sz="2400" dirty="0"/>
+              <a:t>FCM </a:t>
+            </a:r>
+            <a:r>
+              <a:rPr lang="fa-IR" sz="2400" dirty="0"/>
+              <a:t>روی ویژگی‌های انتخاب‌شده نسبت به مجموعه ویژگی‌های اصلی اجرا می‌شود، این طبقه‌بندی عملکرد را بهبود می‌بخشد. مدل‌های فازی پیشرفته </a:t>
+            </a:r>
+            <a:r>
+              <a:rPr lang="fa-IR" sz="2400" dirty="0" smtClean="0"/>
+              <a:t>امکان </a:t>
+            </a:r>
+            <a:r>
+              <a:rPr lang="fa-IR" sz="2400" dirty="0"/>
+              <a:t>شبیه‌سازی دینامیک غیرخطی انگشت دست انسان را برای کنترل مبتنی بر میوالکتریک </a:t>
+            </a:r>
+            <a:r>
+              <a:rPr lang="fa-IR" sz="2400" dirty="0" smtClean="0"/>
+              <a:t>برپایه (</a:t>
+            </a:r>
+            <a:r>
+              <a:rPr lang="en-US" sz="2400" dirty="0" smtClean="0"/>
+              <a:t>ME</a:t>
+            </a:r>
+            <a:r>
+              <a:rPr lang="fa-IR" sz="2400" dirty="0" smtClean="0"/>
+              <a:t>)</a:t>
+            </a:r>
+            <a:r>
+              <a:rPr lang="en-US" sz="2400" dirty="0" smtClean="0"/>
+              <a:t> </a:t>
+            </a:r>
+            <a:r>
+              <a:rPr lang="fa-IR" sz="2400" dirty="0" smtClean="0"/>
+              <a:t> برای کنترل یک </a:t>
+            </a:r>
+            <a:r>
+              <a:rPr lang="fa-IR" sz="2400" dirty="0"/>
+              <a:t>دست مصنوعی فراهم می‌کنند.</a:t>
+            </a:r>
+          </a:p>
+          <a:p>
+            <a:pPr marL="0" indent="0" algn="just" rtl="1">
+              <a:buNone/>
+            </a:pPr>
+            <a:endParaRPr lang="fa-IR" sz="2400" dirty="0"/>
+          </a:p>
+        </p:txBody>
+      </p:sp>
+    </p:spTree>
+    <p:extLst>
+      <p:ext uri="{BB962C8B-B14F-4D97-AF65-F5344CB8AC3E}">
+        <p14:creationId xmlns:p14="http://schemas.microsoft.com/office/powerpoint/2010/main" val="2111046803"/>
+      </p:ext>
+    </p:extLst>
+  </p:cSld>
+  <p:clrMapOvr>
+    <a:masterClrMapping/>
+  </p:clrMapOvr>
+</p:sld>
+</file>
+
+<file path=ppt/slides/slide14.xml><?xml version="1.0" encoding="utf-8"?>
+<p:sld xmlns:a="http://schemas.openxmlformats.org/drawingml/2006/main" xmlns:r="http://schemas.openxmlformats.org/officeDocument/2006/relationships" xmlns:p="http://schemas.openxmlformats.org/presentationml/2006/main">
+  <p:cSld>
+    <p:spTree>
+      <p:nvGrpSpPr>
+        <p:cNvPr id="1" name=""/>
+        <p:cNvGrpSpPr/>
+        <p:nvPr/>
+      </p:nvGrpSpPr>
+      <p:grpSpPr>
+        <a:xfrm>
+          <a:off x="0" y="0"/>
+          <a:ext cx="0" cy="0"/>
+          <a:chOff x="0" y="0"/>
+          <a:chExt cx="0" cy="0"/>
+        </a:xfrm>
+      </p:grpSpPr>
+      <p:sp>
+        <p:nvSpPr>
+          <p:cNvPr id="3" name="Content Placeholder 2"/>
+          <p:cNvSpPr>
+            <a:spLocks noGrp="1"/>
+          </p:cNvSpPr>
+          <p:nvPr>
+            <p:ph idx="1"/>
+          </p:nvPr>
+        </p:nvSpPr>
+        <p:spPr>
+          <a:xfrm>
+            <a:off x="581192" y="692331"/>
+            <a:ext cx="11029615" cy="5721532"/>
+          </a:xfrm>
+        </p:spPr>
+        <p:txBody>
+          <a:bodyPr/>
+          <a:lstStyle/>
+          <a:p>
+            <a:pPr algn="r" rtl="1"/>
+            <a:r>
+              <a:rPr lang="fa-IR" dirty="0"/>
+              <a:t>3      الگوریتم انتخاب </a:t>
+            </a:r>
+            <a:r>
+              <a:rPr lang="fa-IR" dirty="0" smtClean="0"/>
+              <a:t>ویژگی</a:t>
+            </a:r>
+          </a:p>
+          <a:p>
+            <a:pPr marL="0" indent="0" algn="just" rtl="1">
+              <a:buNone/>
+            </a:pPr>
+            <a:r>
+              <a:rPr lang="fa-IR" sz="2400" dirty="0"/>
+              <a:t>روش پیشنهادی </a:t>
+            </a:r>
+            <a:r>
+              <a:rPr lang="en-US" sz="2400" dirty="0"/>
+              <a:t>FS-EFCM </a:t>
+            </a:r>
+            <a:r>
+              <a:rPr lang="fa-IR" sz="2400" dirty="0"/>
+              <a:t>شامل یک فرآیند تکراری است که از الگوریتم </a:t>
+            </a:r>
+            <a:r>
+              <a:rPr lang="en-US" sz="2400" dirty="0"/>
+              <a:t>C-Means </a:t>
+            </a:r>
+            <a:r>
+              <a:rPr lang="fa-IR" sz="2400" dirty="0"/>
+              <a:t>فازی توسعه یافته استفاده می کند </a:t>
+            </a:r>
+            <a:r>
+              <a:rPr lang="fa-IR" sz="2400" dirty="0" smtClean="0"/>
+              <a:t>. </a:t>
+            </a:r>
+            <a:r>
+              <a:rPr lang="en-US" sz="2400" dirty="0"/>
+              <a:t>EFCM </a:t>
+            </a:r>
+            <a:r>
+              <a:rPr lang="fa-IR" sz="2400" dirty="0"/>
+              <a:t>یک الگوریتم خوشه‌بندی فازی جزئی است که الگوریتم </a:t>
+            </a:r>
+            <a:r>
+              <a:rPr lang="en-US" sz="2400" dirty="0"/>
+              <a:t>FCM </a:t>
+            </a:r>
+            <a:r>
+              <a:rPr lang="fa-IR" sz="2400" dirty="0"/>
+              <a:t>سنتی </a:t>
+            </a:r>
+            <a:r>
+              <a:rPr lang="fa-IR" sz="2400" dirty="0" smtClean="0"/>
+              <a:t>را </a:t>
+            </a:r>
+            <a:r>
+              <a:rPr lang="fa-IR" sz="2400" dirty="0"/>
+              <a:t>گسترش می‌دهد و بر اشکالات آن، مانند انتخاب پیشینی تعداد خوشه‌ها و حساسیت به وجود نویز و نقاط پرت، غلبه می‌کند. علاوه بر این، </a:t>
+            </a:r>
+            <a:r>
+              <a:rPr lang="en-US" sz="2400" dirty="0"/>
+              <a:t>EFCM </a:t>
+            </a:r>
+            <a:r>
+              <a:rPr lang="fa-IR" sz="2400" dirty="0"/>
+              <a:t>نسبت به </a:t>
+            </a:r>
+            <a:r>
+              <a:rPr lang="en-US" sz="2400" dirty="0"/>
+              <a:t>FCM </a:t>
+            </a:r>
+            <a:r>
+              <a:rPr lang="fa-IR" sz="2400" dirty="0"/>
+              <a:t>نسبت به مقدار دهی اولیه پارتیشن قوی‌تر است و نیازی به تایید پارتیشن‌بندی خوشه‌بندی تولید شده بر روی چندین مقداردهی اولیه تصادفی ندارد. یک فرآیند ادغام بین دو خوشه مشابه در طول هر تکرار امکان به دست آوردن تعداد بهینه خوشه ها را می دهد. مروری کوتاه بر </a:t>
+            </a:r>
+            <a:r>
+              <a:rPr lang="en-US" sz="2400" dirty="0"/>
+              <a:t>EFCM </a:t>
+            </a:r>
+            <a:r>
+              <a:rPr lang="fa-IR" sz="2400" dirty="0"/>
+              <a:t>در بخش بعدی آورده شده است.</a:t>
+            </a:r>
+            <a:endParaRPr lang="en-US" sz="2400" dirty="0"/>
+          </a:p>
+        </p:txBody>
+      </p:sp>
+    </p:spTree>
+    <p:extLst>
+      <p:ext uri="{BB962C8B-B14F-4D97-AF65-F5344CB8AC3E}">
+        <p14:creationId xmlns:p14="http://schemas.microsoft.com/office/powerpoint/2010/main" val="2854155505"/>
+      </p:ext>
+    </p:extLst>
+  </p:cSld>
+  <p:clrMapOvr>
+    <a:masterClrMapping/>
+  </p:clrMapOvr>
+</p:sld>
+</file>
+
+<file path=ppt/slides/slide15.xml><?xml version="1.0" encoding="utf-8"?>
+<p:sld xmlns:a="http://schemas.openxmlformats.org/drawingml/2006/main" xmlns:r="http://schemas.openxmlformats.org/officeDocument/2006/relationships" xmlns:p="http://schemas.openxmlformats.org/presentationml/2006/main">
+  <p:cSld>
+    <p:spTree>
+      <p:nvGrpSpPr>
+        <p:cNvPr id="1" name=""/>
+        <p:cNvGrpSpPr/>
+        <p:nvPr/>
+      </p:nvGrpSpPr>
+      <p:grpSpPr>
+        <a:xfrm>
+          <a:off x="0" y="0"/>
+          <a:ext cx="0" cy="0"/>
+          <a:chOff x="0" y="0"/>
+          <a:chExt cx="0" cy="0"/>
+        </a:xfrm>
+      </p:grpSpPr>
+      <p:sp>
+        <p:nvSpPr>
+          <p:cNvPr id="3" name="Content Placeholder 2"/>
+          <p:cNvSpPr>
+            <a:spLocks noGrp="1"/>
+          </p:cNvSpPr>
+          <p:nvPr>
+            <p:ph idx="1"/>
+          </p:nvPr>
+        </p:nvSpPr>
+        <p:spPr>
+          <a:xfrm>
+            <a:off x="581192" y="692331"/>
+            <a:ext cx="11029615" cy="5721532"/>
+          </a:xfrm>
+        </p:spPr>
+        <p:txBody>
+          <a:bodyPr/>
+          <a:lstStyle/>
+          <a:p>
+            <a:pPr algn="r" rtl="1"/>
+            <a:r>
+              <a:rPr lang="fa-IR" dirty="0" smtClean="0"/>
+              <a:t>1-3</a:t>
+            </a:r>
+            <a:r>
+              <a:rPr lang="fa-IR" dirty="0"/>
+              <a:t>     </a:t>
+            </a:r>
+            <a:r>
+              <a:rPr lang="en-US" dirty="0" smtClean="0"/>
+              <a:t>EFCM </a:t>
+            </a:r>
+            <a:r>
+              <a:rPr lang="fa-IR" dirty="0"/>
+              <a:t>برخی مفاهیم </a:t>
+            </a:r>
+            <a:r>
+              <a:rPr lang="fa-IR" dirty="0" smtClean="0"/>
+              <a:t>اولیه</a:t>
+            </a:r>
+            <a:r>
+              <a:rPr lang="en-US" dirty="0"/>
+              <a:t>:</a:t>
+            </a:r>
+            <a:endParaRPr lang="fa-IR" dirty="0" smtClean="0"/>
+          </a:p>
+          <a:p>
+            <a:pPr marL="0" indent="0" algn="just" rtl="1">
+              <a:buNone/>
+            </a:pPr>
+            <a:r>
+              <a:rPr lang="fa-IR" sz="2400" dirty="0" smtClean="0"/>
+              <a:t>روش </a:t>
+            </a:r>
+            <a:r>
+              <a:rPr lang="fa-IR" sz="2400" dirty="0"/>
+              <a:t>پیشنهادی </a:t>
+            </a:r>
+            <a:r>
+              <a:rPr lang="en-US" sz="2400" dirty="0"/>
+              <a:t>FS-EFCM </a:t>
+            </a:r>
+            <a:r>
+              <a:rPr lang="fa-IR" sz="2400" dirty="0"/>
+              <a:t>شامل یک فرآیند تکراری است که از الگوریتم </a:t>
+            </a:r>
+            <a:r>
+              <a:rPr lang="en-US" sz="2400" dirty="0"/>
+              <a:t>C-Means </a:t>
+            </a:r>
+            <a:r>
+              <a:rPr lang="fa-IR" sz="2400" dirty="0"/>
+              <a:t>فازی توسعه یافته استفاده می کند </a:t>
+            </a:r>
+            <a:r>
+              <a:rPr lang="fa-IR" sz="2400" dirty="0" smtClean="0"/>
+              <a:t>. </a:t>
+            </a:r>
+            <a:r>
+              <a:rPr lang="en-US" sz="2400" dirty="0"/>
+              <a:t>EFCM </a:t>
+            </a:r>
+            <a:r>
+              <a:rPr lang="fa-IR" sz="2400" dirty="0"/>
+              <a:t>یک الگوریتم خوشه‌بندی فازی جزئی است که الگوریتم </a:t>
+            </a:r>
+            <a:r>
+              <a:rPr lang="en-US" sz="2400" dirty="0"/>
+              <a:t>FCM </a:t>
+            </a:r>
+            <a:r>
+              <a:rPr lang="fa-IR" sz="2400" dirty="0"/>
+              <a:t>سنتی </a:t>
+            </a:r>
+            <a:r>
+              <a:rPr lang="fa-IR" sz="2400" dirty="0" smtClean="0"/>
+              <a:t>را </a:t>
+            </a:r>
+            <a:r>
+              <a:rPr lang="fa-IR" sz="2400" dirty="0"/>
+              <a:t>گسترش می‌دهد و بر اشکالات آن، مانند انتخاب پیشینی تعداد خوشه‌ها و حساسیت به وجود نویز و نقاط پرت، غلبه می‌کند. علاوه بر این، </a:t>
+            </a:r>
+            <a:r>
+              <a:rPr lang="en-US" sz="2400" dirty="0"/>
+              <a:t>EFCM </a:t>
+            </a:r>
+            <a:r>
+              <a:rPr lang="fa-IR" sz="2400" dirty="0"/>
+              <a:t>نسبت به </a:t>
+            </a:r>
+            <a:r>
+              <a:rPr lang="en-US" sz="2400" dirty="0"/>
+              <a:t>FCM </a:t>
+            </a:r>
+            <a:r>
+              <a:rPr lang="fa-IR" sz="2400" dirty="0"/>
+              <a:t>نسبت به مقدار دهی اولیه پارتیشن قوی‌تر است و نیازی به تایید پارتیشن‌بندی خوشه‌بندی تولید شده بر روی چندین مقداردهی اولیه تصادفی ندارد. یک فرآیند ادغام بین دو خوشه مشابه در طول هر تکرار امکان به دست آوردن تعداد بهینه خوشه ها را می دهد. مروری کوتاه بر </a:t>
+            </a:r>
+            <a:r>
+              <a:rPr lang="en-US" sz="2400" dirty="0"/>
+              <a:t>EFCM </a:t>
+            </a:r>
+            <a:r>
+              <a:rPr lang="fa-IR" sz="2400" dirty="0"/>
+              <a:t>در بخش بعدی آورده شده است.</a:t>
+            </a:r>
+            <a:endParaRPr lang="en-US" sz="2400" dirty="0"/>
+          </a:p>
+        </p:txBody>
+      </p:sp>
+    </p:spTree>
+    <p:extLst>
+      <p:ext uri="{BB962C8B-B14F-4D97-AF65-F5344CB8AC3E}">
+        <p14:creationId xmlns:p14="http://schemas.microsoft.com/office/powerpoint/2010/main" val="3688530888"/>
+      </p:ext>
+    </p:extLst>
+  </p:cSld>
+  <p:clrMapOvr>
+    <a:masterClrMapping/>
+  </p:clrMapOvr>
+</p:sld>
+</file>
+
+<file path=ppt/slides/slide16.xml><?xml version="1.0" encoding="utf-8"?>
+<p:sld xmlns:a="http://schemas.openxmlformats.org/drawingml/2006/main" xmlns:r="http://schemas.openxmlformats.org/officeDocument/2006/relationships" xmlns:p="http://schemas.openxmlformats.org/presentationml/2006/main">
+  <p:cSld>
+    <p:spTree>
+      <p:nvGrpSpPr>
+        <p:cNvPr id="1" name=""/>
+        <p:cNvGrpSpPr/>
+        <p:nvPr/>
+      </p:nvGrpSpPr>
+      <p:grpSpPr>
+        <a:xfrm>
+          <a:off x="0" y="0"/>
+          <a:ext cx="0" cy="0"/>
+          <a:chOff x="0" y="0"/>
+          <a:chExt cx="0" cy="0"/>
+        </a:xfrm>
+      </p:grpSpPr>
+      <p:sp>
+        <p:nvSpPr>
+          <p:cNvPr id="2" name="Title 1"/>
+          <p:cNvSpPr>
+            <a:spLocks noGrp="1"/>
+          </p:cNvSpPr>
+          <p:nvPr>
+            <p:ph type="title"/>
+          </p:nvPr>
+        </p:nvSpPr>
+        <p:spPr>
+          <a:xfrm>
+            <a:off x="581192" y="702156"/>
+            <a:ext cx="11029616" cy="1638708"/>
+          </a:xfrm>
+        </p:spPr>
+        <p:txBody>
+          <a:bodyPr>
+            <a:noAutofit/>
+          </a:bodyPr>
+          <a:lstStyle/>
+          <a:p>
+            <a:pPr algn="r" rtl="1"/>
+            <a:r>
+              <a:rPr lang="fa-IR" sz="1800" dirty="0" smtClean="0"/>
+              <a:t>از مقاله</a:t>
+            </a:r>
+            <a:br>
+              <a:rPr lang="fa-IR" sz="1800" dirty="0" smtClean="0"/>
+            </a:br>
+            <a:r>
+              <a:rPr lang="fa-IR" sz="1800" dirty="0" smtClean="0"/>
+              <a:t> </a:t>
+            </a:r>
+            <a:r>
+              <a:rPr lang="en-US" sz="1800" dirty="0"/>
+              <a:t>Clustering using Vector Membership: An Extension of the Fuzzy C-Means </a:t>
+            </a:r>
+            <a:r>
+              <a:rPr lang="en-US" sz="1800" dirty="0" smtClean="0"/>
+              <a:t>Algorithm</a:t>
+            </a:r>
+            <a:r>
+              <a:rPr lang="fa-IR" sz="1800" dirty="0" smtClean="0"/>
+              <a:t/>
+            </a:r>
+            <a:br>
+              <a:rPr lang="fa-IR" sz="1800" dirty="0" smtClean="0"/>
+            </a:br>
+            <a:r>
+              <a:rPr lang="fa-IR" sz="1800" dirty="0" smtClean="0"/>
+              <a:t>به وسیله </a:t>
+            </a:r>
+            <a:br>
+              <a:rPr lang="fa-IR" sz="1800" dirty="0" smtClean="0"/>
+            </a:br>
+            <a:r>
+              <a:rPr lang="en-US" sz="1800" dirty="0"/>
+              <a:t>Srinjoy </a:t>
+            </a:r>
+            <a:r>
+              <a:rPr lang="en-US" sz="1800" dirty="0" smtClean="0"/>
+              <a:t>Ganguly </a:t>
+            </a:r>
+            <a:r>
+              <a:rPr lang="en-US" sz="1800" dirty="0"/>
+              <a:t>, Digbalay </a:t>
+            </a:r>
+            <a:r>
+              <a:rPr lang="en-US" sz="1800" dirty="0" smtClean="0"/>
+              <a:t>Bose </a:t>
+            </a:r>
+            <a:r>
+              <a:rPr lang="en-US" sz="1800" dirty="0"/>
+              <a:t>, Amit </a:t>
+            </a:r>
+            <a:r>
+              <a:rPr lang="en-US" sz="1800" dirty="0" smtClean="0"/>
+              <a:t>Konar</a:t>
+            </a:r>
+            <a:r>
+              <a:rPr lang="fa-IR" sz="1800" dirty="0" smtClean="0"/>
+              <a:t/>
+            </a:r>
+            <a:br>
+              <a:rPr lang="fa-IR" sz="1800" dirty="0" smtClean="0"/>
+            </a:br>
+            <a:r>
+              <a:rPr lang="en-US" sz="1800" dirty="0"/>
+              <a:t>https://arxiv.org/ftp/arxiv/papers/1312/1312.4074.pdf</a:t>
+            </a:r>
+          </a:p>
+        </p:txBody>
+      </p:sp>
+      <p:pic>
+        <p:nvPicPr>
+          <p:cNvPr id="4" name="Content Placeholder 3"/>
+          <p:cNvPicPr>
+            <a:picLocks noGrp="1" noChangeAspect="1"/>
+          </p:cNvPicPr>
+          <p:nvPr>
+            <p:ph idx="1"/>
+          </p:nvPr>
+        </p:nvPicPr>
+        <p:blipFill rotWithShape="1">
+          <a:blip r:embed="rId2"/>
+          <a:srcRect l="21241" t="34060" r="22933" b="7345"/>
+          <a:stretch/>
+        </p:blipFill>
+        <p:spPr>
+          <a:xfrm>
+            <a:off x="2477589" y="2568538"/>
+            <a:ext cx="7236822" cy="4289462"/>
+          </a:xfrm>
+          <a:prstGeom prst="rect">
+            <a:avLst/>
+          </a:prstGeom>
+        </p:spPr>
+      </p:pic>
+    </p:spTree>
+    <p:extLst>
+      <p:ext uri="{BB962C8B-B14F-4D97-AF65-F5344CB8AC3E}">
+        <p14:creationId xmlns:p14="http://schemas.microsoft.com/office/powerpoint/2010/main" val="3301742486"/>
+      </p:ext>
+    </p:extLst>
+  </p:cSld>
+  <p:clrMapOvr>
+    <a:masterClrMapping/>
+  </p:clrMapOvr>
+</p:sld>
+</file>
+
+<file path=ppt/slides/slide17.xml><?xml version="1.0" encoding="utf-8"?>
+<p:sld xmlns:a="http://schemas.openxmlformats.org/drawingml/2006/main" xmlns:r="http://schemas.openxmlformats.org/officeDocument/2006/relationships" xmlns:p="http://schemas.openxmlformats.org/presentationml/2006/main">
+  <p:cSld>
+    <p:spTree>
+      <p:nvGrpSpPr>
+        <p:cNvPr id="1" name=""/>
+        <p:cNvGrpSpPr/>
+        <p:nvPr/>
+      </p:nvGrpSpPr>
+      <p:grpSpPr>
+        <a:xfrm>
+          <a:off x="0" y="0"/>
+          <a:ext cx="0" cy="0"/>
+          <a:chOff x="0" y="0"/>
+          <a:chExt cx="0" cy="0"/>
+        </a:xfrm>
+      </p:grpSpPr>
+      <p:sp>
+        <p:nvSpPr>
+          <p:cNvPr id="2" name="Title 1"/>
+          <p:cNvSpPr>
+            <a:spLocks noGrp="1"/>
+          </p:cNvSpPr>
+          <p:nvPr>
+            <p:ph type="title"/>
+          </p:nvPr>
+        </p:nvSpPr>
+        <p:spPr>
+          <a:xfrm>
+            <a:off x="581192" y="702156"/>
+            <a:ext cx="11029616" cy="1638708"/>
+          </a:xfrm>
+        </p:spPr>
+        <p:txBody>
+          <a:bodyPr>
+            <a:noAutofit/>
+          </a:bodyPr>
+          <a:lstStyle/>
+          <a:p>
+            <a:pPr algn="r" rtl="1"/>
+            <a:r>
+              <a:rPr lang="fa-IR" sz="1800" dirty="0" smtClean="0"/>
+              <a:t>از مقاله</a:t>
+            </a:r>
+            <a:br>
+              <a:rPr lang="fa-IR" sz="1800" dirty="0" smtClean="0"/>
+            </a:br>
+            <a:r>
+              <a:rPr lang="fa-IR" sz="1800" dirty="0" smtClean="0"/>
+              <a:t> </a:t>
+            </a:r>
+            <a:r>
+              <a:rPr lang="en-US" sz="1800" dirty="0"/>
+              <a:t>Clustering using Vector Membership: An Extension of the Fuzzy C-Means </a:t>
+            </a:r>
+            <a:r>
+              <a:rPr lang="en-US" sz="1800" dirty="0" smtClean="0"/>
+              <a:t>Algorithm</a:t>
+            </a:r>
+            <a:r>
+              <a:rPr lang="fa-IR" sz="1800" dirty="0" smtClean="0"/>
+              <a:t/>
+            </a:r>
+            <a:br>
+              <a:rPr lang="fa-IR" sz="1800" dirty="0" smtClean="0"/>
+            </a:br>
+            <a:r>
+              <a:rPr lang="fa-IR" sz="1800" dirty="0" smtClean="0"/>
+              <a:t>به وسیله </a:t>
+            </a:r>
+            <a:br>
+              <a:rPr lang="fa-IR" sz="1800" dirty="0" smtClean="0"/>
+            </a:br>
+            <a:r>
+              <a:rPr lang="en-US" sz="1800" dirty="0"/>
+              <a:t>Srinjoy </a:t>
+            </a:r>
+            <a:r>
+              <a:rPr lang="en-US" sz="1800" dirty="0" smtClean="0"/>
+              <a:t>Ganguly </a:t>
+            </a:r>
+            <a:r>
+              <a:rPr lang="en-US" sz="1800" dirty="0"/>
+              <a:t>, Digbalay </a:t>
+            </a:r>
+            <a:r>
+              <a:rPr lang="en-US" sz="1800" dirty="0" smtClean="0"/>
+              <a:t>Bose </a:t>
+            </a:r>
+            <a:r>
+              <a:rPr lang="en-US" sz="1800" dirty="0"/>
+              <a:t>, Amit </a:t>
+            </a:r>
+            <a:r>
+              <a:rPr lang="en-US" sz="1800" dirty="0" smtClean="0"/>
+              <a:t>Konar</a:t>
+            </a:r>
+            <a:r>
+              <a:rPr lang="fa-IR" sz="1800" dirty="0" smtClean="0"/>
+              <a:t/>
+            </a:r>
+            <a:br>
+              <a:rPr lang="fa-IR" sz="1800" dirty="0" smtClean="0"/>
+            </a:br>
+            <a:r>
+              <a:rPr lang="en-US" sz="1800" dirty="0"/>
+              <a:t>https://arxiv.org/ftp/arxiv/papers/1312/1312.4074.pdf</a:t>
+            </a:r>
+          </a:p>
+        </p:txBody>
+      </p:sp>
+      <p:sp>
+        <p:nvSpPr>
+          <p:cNvPr id="3" name="Content Placeholder 2"/>
+          <p:cNvSpPr>
+            <a:spLocks noGrp="1"/>
+          </p:cNvSpPr>
+          <p:nvPr>
+            <p:ph idx="1"/>
+          </p:nvPr>
+        </p:nvSpPr>
+        <p:spPr/>
+        <p:txBody>
+          <a:bodyPr>
+            <a:normAutofit/>
+          </a:bodyPr>
+          <a:lstStyle/>
+          <a:p>
+            <a:pPr algn="r" rtl="1"/>
+            <a:r>
+              <a:rPr lang="fa-IR" sz="2000" dirty="0"/>
+              <a:t>خوشه‌بندی فازی </a:t>
+            </a:r>
+            <a:r>
+              <a:rPr lang="en-US" sz="2000" dirty="0"/>
+              <a:t>C-Means (FCM) </a:t>
+            </a:r>
+            <a:r>
+              <a:rPr lang="fa-IR" sz="2000" dirty="0"/>
+              <a:t>یکی از محبوب‌ترین روش‌های خوشه‌بندی فازی است که در آن هر عنصر داده ممکن است به طور همزمان عضو چندین خوشه باشد. </a:t>
+            </a:r>
+            <a:r>
+              <a:rPr lang="en-US" sz="2000" dirty="0"/>
+              <a:t>FCM </a:t>
+            </a:r>
+            <a:r>
+              <a:rPr lang="fa-IR" sz="2000" dirty="0"/>
+              <a:t>شامل یک روش تکراری است که در آن اندازه‌گیری عدم تشابه، که بر حسب فاصله اقلیدسی داده می‌شود، با به‌روزرسانی مراکز خوشه و مقادیر عضویت </a:t>
+            </a:r>
+            <a:r>
+              <a:rPr lang="fa-IR" sz="2000" dirty="0" smtClean="0"/>
+              <a:t>به </a:t>
+            </a:r>
+            <a:r>
+              <a:rPr lang="fa-IR" sz="2000" dirty="0"/>
+              <a:t>حداقل می‌رسد</a:t>
+            </a:r>
+            <a:r>
+              <a:rPr lang="fa-IR" sz="2000" dirty="0" smtClean="0"/>
+              <a:t>.</a:t>
+            </a:r>
+            <a:endParaRPr lang="en-US" sz="2000" dirty="0" smtClean="0"/>
+          </a:p>
+          <a:p>
+            <a:pPr algn="r" rtl="1"/>
+            <a:endParaRPr lang="en-US" sz="2000" dirty="0"/>
+          </a:p>
+        </p:txBody>
+      </p:sp>
+    </p:spTree>
+    <p:extLst>
+      <p:ext uri="{BB962C8B-B14F-4D97-AF65-F5344CB8AC3E}">
+        <p14:creationId xmlns:p14="http://schemas.microsoft.com/office/powerpoint/2010/main" val="3945273322"/>
+      </p:ext>
+    </p:extLst>
+  </p:cSld>
+  <p:clrMapOvr>
+    <a:masterClrMapping/>
+  </p:clrMapOvr>
+</p:sld>
+</file>
+
+<file path=ppt/slides/slide18.xml><?xml version="1.0" encoding="utf-8"?>
+<p:sld xmlns:a="http://schemas.openxmlformats.org/drawingml/2006/main" xmlns:r="http://schemas.openxmlformats.org/officeDocument/2006/relationships" xmlns:p="http://schemas.openxmlformats.org/presentationml/2006/main">
+  <p:cSld>
+    <p:spTree>
+      <p:nvGrpSpPr>
+        <p:cNvPr id="1" name=""/>
+        <p:cNvGrpSpPr/>
+        <p:nvPr/>
+      </p:nvGrpSpPr>
+      <p:grpSpPr>
+        <a:xfrm>
+          <a:off x="0" y="0"/>
+          <a:ext cx="0" cy="0"/>
+          <a:chOff x="0" y="0"/>
+          <a:chExt cx="0" cy="0"/>
+        </a:xfrm>
+      </p:grpSpPr>
+      <p:sp>
+        <p:nvSpPr>
+          <p:cNvPr id="3" name="Content Placeholder 2"/>
+          <p:cNvSpPr>
+            <a:spLocks noGrp="1"/>
+          </p:cNvSpPr>
+          <p:nvPr>
+            <p:ph idx="1"/>
+          </p:nvPr>
+        </p:nvSpPr>
+        <p:spPr>
+          <a:xfrm>
+            <a:off x="581192" y="757646"/>
+            <a:ext cx="11029615" cy="5217704"/>
+          </a:xfrm>
+        </p:spPr>
+        <p:txBody>
+          <a:bodyPr/>
+          <a:lstStyle/>
+          <a:p>
+            <a:pPr algn="r" rtl="1"/>
+            <a:r>
+              <a:rPr lang="fa-IR" dirty="0" smtClean="0"/>
+              <a:t>اگر</a:t>
+            </a:r>
+            <a:r>
+              <a:rPr lang="en-US" dirty="0" smtClean="0"/>
+              <a:t>X</a:t>
+            </a:r>
+            <a:r>
+              <a:rPr lang="en-US" dirty="0"/>
+              <a:t>={x1, ..., xN</a:t>
+            </a:r>
+            <a:r>
+              <a:rPr lang="en-US" dirty="0" smtClean="0"/>
+              <a:t>} </a:t>
+            </a:r>
+            <a:r>
+              <a:rPr lang="fa-IR" dirty="0"/>
+              <a:t>مجموعه‌ای از </a:t>
+            </a:r>
+            <a:r>
+              <a:rPr lang="en-US" dirty="0"/>
+              <a:t>N </a:t>
+            </a:r>
+            <a:r>
+              <a:rPr lang="fa-IR" dirty="0"/>
+              <a:t>نقطه داده (الگوها) در فضای </a:t>
+            </a:r>
+            <a:r>
+              <a:rPr lang="en-US" dirty="0"/>
+              <a:t>n </a:t>
+            </a:r>
+            <a:r>
+              <a:rPr lang="fa-IR" dirty="0"/>
+              <a:t>بعدی </a:t>
+            </a:r>
+            <a:r>
+              <a:rPr lang="en-US" dirty="0"/>
+              <a:t>Rn </a:t>
+            </a:r>
+            <a:r>
+              <a:rPr lang="fa-IR" dirty="0" smtClean="0"/>
+              <a:t> </a:t>
+            </a:r>
+          </a:p>
+          <a:p>
+            <a:pPr marL="0" indent="0" algn="r" rtl="1">
+              <a:buNone/>
+            </a:pPr>
+            <a:r>
+              <a:rPr lang="en-US" dirty="0" smtClean="0"/>
+              <a:t>V </a:t>
+            </a:r>
+            <a:r>
+              <a:rPr lang="en-US" dirty="0"/>
+              <a:t>= {v1,…,vC} </a:t>
+            </a:r>
+            <a:r>
+              <a:rPr lang="fa-IR" dirty="0" smtClean="0"/>
+              <a:t>مجموعه‌ای </a:t>
+            </a:r>
+            <a:r>
+              <a:rPr lang="fa-IR" dirty="0"/>
+              <a:t>از مراکز خوشه های </a:t>
+            </a:r>
+            <a:r>
+              <a:rPr lang="en-US" dirty="0" smtClean="0"/>
+              <a:t>C </a:t>
+            </a:r>
+            <a:r>
+              <a:rPr lang="fa-IR" dirty="0" smtClean="0"/>
+              <a:t> باشد و اگه </a:t>
+            </a:r>
+            <a:r>
+              <a:rPr lang="en-US" dirty="0" smtClean="0"/>
+              <a:t>U </a:t>
+            </a:r>
+            <a:r>
+              <a:rPr lang="fa-IR" dirty="0" smtClean="0"/>
+              <a:t> ماتریس </a:t>
+            </a:r>
+            <a:r>
+              <a:rPr lang="fa-IR" dirty="0"/>
+              <a:t>پارتیشن </a:t>
+            </a:r>
+            <a:r>
+              <a:rPr lang="en-US" dirty="0"/>
+              <a:t>C×N </a:t>
+            </a:r>
+            <a:r>
+              <a:rPr lang="fa-IR" dirty="0"/>
+              <a:t>باشد که در آن </a:t>
+            </a:r>
+            <a:r>
+              <a:rPr lang="en-US" dirty="0"/>
+              <a:t>uij </a:t>
+            </a:r>
+            <a:r>
+              <a:rPr lang="fa-IR" dirty="0"/>
+              <a:t>درجه عضویت الگوی </a:t>
+            </a:r>
+            <a:r>
+              <a:rPr lang="en-US" dirty="0"/>
+              <a:t>j </a:t>
+            </a:r>
+            <a:r>
+              <a:rPr lang="fa-IR" dirty="0"/>
+              <a:t>ام </a:t>
+            </a:r>
+            <a:r>
+              <a:rPr lang="en-US" dirty="0"/>
+              <a:t>xj </a:t>
+            </a:r>
+            <a:r>
+              <a:rPr lang="fa-IR" dirty="0" smtClean="0"/>
+              <a:t>به خوشه </a:t>
+            </a:r>
+            <a:r>
+              <a:rPr lang="en-US" dirty="0"/>
+              <a:t>i</a:t>
+            </a:r>
+            <a:r>
+              <a:rPr lang="fa-IR" dirty="0"/>
+              <a:t>ام </a:t>
+            </a:r>
+            <a:r>
+              <a:rPr lang="en-US" dirty="0"/>
+              <a:t>vi </a:t>
+            </a:r>
+            <a:r>
+              <a:rPr lang="fa-IR" dirty="0"/>
+              <a:t>است. در الگوریتم </a:t>
+            </a:r>
+            <a:r>
+              <a:rPr lang="en-US" dirty="0"/>
+              <a:t>EFCM، </a:t>
+            </a:r>
+            <a:r>
+              <a:rPr lang="fa-IR" dirty="0"/>
+              <a:t>نمونه اولیه خوشه یکم توسط یک ابرکره با مرکز </a:t>
+            </a:r>
+            <a:r>
+              <a:rPr lang="en-US" dirty="0"/>
+              <a:t>vi </a:t>
+            </a:r>
+            <a:r>
+              <a:rPr lang="fa-IR" dirty="0"/>
+              <a:t>و شعاع </a:t>
+            </a:r>
+            <a:r>
+              <a:rPr lang="en-US" dirty="0"/>
+              <a:t>ri </a:t>
+            </a:r>
+            <a:r>
+              <a:rPr lang="fa-IR" dirty="0"/>
+              <a:t>ارائه می‌شود. الگوریتم خوشه بندی </a:t>
+            </a:r>
+            <a:r>
+              <a:rPr lang="en-US" dirty="0"/>
+              <a:t>EFCM </a:t>
+            </a:r>
+            <a:r>
+              <a:rPr lang="fa-IR" dirty="0"/>
+              <a:t>تابع هدف زیر را به حداقل می رساند</a:t>
+            </a:r>
+            <a:r>
+              <a:rPr lang="fa-IR" dirty="0" smtClean="0"/>
+              <a:t>:</a:t>
+            </a:r>
+          </a:p>
+          <a:p>
+            <a:pPr marL="0" indent="0" algn="r" rtl="1">
+              <a:buNone/>
+            </a:pPr>
+            <a:endParaRPr lang="fa-IR" dirty="0" smtClean="0"/>
+          </a:p>
+          <a:p>
+            <a:pPr marL="0" indent="0" algn="r" rtl="1">
+              <a:buNone/>
+            </a:pPr>
+            <a:endParaRPr lang="fa-IR" dirty="0" smtClean="0"/>
+          </a:p>
+          <a:p>
+            <a:pPr marL="0" indent="0" algn="r" rtl="1">
+              <a:buNone/>
+            </a:pPr>
+            <a:endParaRPr lang="fa-IR" dirty="0"/>
+          </a:p>
+          <a:p>
+            <a:pPr marL="0" indent="0" algn="r" rtl="1">
+              <a:buNone/>
+            </a:pPr>
+            <a:r>
+              <a:rPr lang="fa-IR" dirty="0"/>
+              <a:t>جایی که </a:t>
+            </a:r>
+            <a:r>
+              <a:rPr lang="en-US" dirty="0"/>
+              <a:t>r = {r1,…,rC} </a:t>
+            </a:r>
+            <a:r>
+              <a:rPr lang="fa-IR" dirty="0"/>
+              <a:t>مجموعه شعاع است، </a:t>
+            </a:r>
+            <a:r>
+              <a:rPr lang="en-US" dirty="0"/>
+              <a:t>m </a:t>
+            </a:r>
+            <a:r>
+              <a:rPr lang="fa-IR" dirty="0"/>
+              <a:t>پارامتر فازی فایر و </a:t>
+            </a:r>
+            <a:r>
+              <a:rPr lang="en-US" dirty="0"/>
+              <a:t>dij </a:t>
+            </a:r>
+            <a:r>
+              <a:rPr lang="fa-IR" dirty="0"/>
+              <a:t>فاصله بین خوشه </a:t>
+            </a:r>
+            <a:r>
+              <a:rPr lang="en-US" dirty="0"/>
+              <a:t>i </a:t>
+            </a:r>
+            <a:r>
+              <a:rPr lang="fa-IR" dirty="0"/>
+              <a:t>و الگوی </a:t>
+            </a:r>
+            <a:r>
+              <a:rPr lang="en-US" dirty="0"/>
+              <a:t>j </a:t>
+            </a:r>
+            <a:r>
+              <a:rPr lang="fa-IR" dirty="0"/>
+              <a:t>است.</a:t>
+            </a:r>
+            <a:endParaRPr lang="fa-IR" dirty="0" smtClean="0"/>
+          </a:p>
+        </p:txBody>
+      </p:sp>
+      <p:pic>
+        <p:nvPicPr>
+          <p:cNvPr id="4" name="Picture 3"/>
+          <p:cNvPicPr>
+            <a:picLocks noChangeAspect="1"/>
+          </p:cNvPicPr>
+          <p:nvPr/>
+        </p:nvPicPr>
+        <p:blipFill rotWithShape="1">
+          <a:blip r:embed="rId2"/>
+          <a:srcRect l="29059" t="52946" r="22437" b="29375"/>
+          <a:stretch/>
+        </p:blipFill>
+        <p:spPr>
+          <a:xfrm>
+            <a:off x="2954382" y="3098709"/>
+            <a:ext cx="6283234" cy="1293223"/>
+          </a:xfrm>
+          <a:prstGeom prst="rect">
+            <a:avLst/>
+          </a:prstGeom>
+        </p:spPr>
+      </p:pic>
+    </p:spTree>
+    <p:extLst>
+      <p:ext uri="{BB962C8B-B14F-4D97-AF65-F5344CB8AC3E}">
+        <p14:creationId xmlns:p14="http://schemas.microsoft.com/office/powerpoint/2010/main" val="3255171407"/>
+      </p:ext>
+    </p:extLst>
+  </p:cSld>
+  <p:clrMapOvr>
+    <a:masterClrMapping/>
+  </p:clrMapOvr>
+</p:sld>
+</file>
+
+<file path=ppt/slides/slide19.xml><?xml version="1.0" encoding="utf-8"?>
+<p:sld xmlns:a="http://schemas.openxmlformats.org/drawingml/2006/main" xmlns:r="http://schemas.openxmlformats.org/officeDocument/2006/relationships" xmlns:p="http://schemas.openxmlformats.org/presentationml/2006/main">
+  <p:cSld>
+    <p:spTree>
+      <p:nvGrpSpPr>
+        <p:cNvPr id="1" name=""/>
+        <p:cNvGrpSpPr/>
+        <p:nvPr/>
+      </p:nvGrpSpPr>
+      <p:grpSpPr>
+        <a:xfrm>
+          <a:off x="0" y="0"/>
+          <a:ext cx="0" cy="0"/>
+          <a:chOff x="0" y="0"/>
+          <a:chExt cx="0" cy="0"/>
+        </a:xfrm>
+      </p:grpSpPr>
+      <p:sp>
+        <p:nvSpPr>
+          <p:cNvPr id="3" name="Content Placeholder 2"/>
+          <p:cNvSpPr>
+            <a:spLocks noGrp="1"/>
+          </p:cNvSpPr>
+          <p:nvPr>
+            <p:ph idx="1"/>
+          </p:nvPr>
+        </p:nvSpPr>
+        <p:spPr>
+          <a:xfrm>
+            <a:off x="581192" y="757646"/>
+            <a:ext cx="11029615" cy="5217704"/>
+          </a:xfrm>
+        </p:spPr>
+        <p:txBody>
+          <a:bodyPr/>
+          <a:lstStyle/>
+          <a:p>
+            <a:pPr algn="r" rtl="1"/>
+            <a:r>
+              <a:rPr lang="fa-IR" dirty="0"/>
+              <a:t>شعاع </a:t>
+            </a:r>
+            <a:r>
+              <a:rPr lang="en-US" dirty="0"/>
+              <a:t>ri </a:t>
+            </a:r>
+            <a:r>
+              <a:rPr lang="fa-IR" dirty="0"/>
+              <a:t>با در نظر گرفتن کوواریانس خوشه </a:t>
+            </a:r>
+            <a:r>
+              <a:rPr lang="en-US" dirty="0"/>
+              <a:t>i </a:t>
+            </a:r>
+            <a:r>
+              <a:rPr lang="fa-IR" dirty="0"/>
+              <a:t>محاسبه می </a:t>
+            </a:r>
+            <a:r>
+              <a:rPr lang="fa-IR" dirty="0" smtClean="0"/>
+              <a:t>شود</a:t>
+            </a:r>
+          </a:p>
+          <a:p>
+            <a:pPr algn="r" rtl="1"/>
+            <a:r>
+              <a:rPr lang="fa-IR" dirty="0"/>
+              <a:t>که در آن </a:t>
+            </a:r>
+            <a:r>
+              <a:rPr lang="en-US" dirty="0" smtClean="0"/>
+              <a:t> Pi</a:t>
+            </a:r>
+            <a:r>
+              <a:rPr lang="fa-IR" dirty="0" smtClean="0"/>
+              <a:t>مثبت </a:t>
+            </a:r>
+            <a:r>
+              <a:rPr lang="fa-IR" dirty="0"/>
+              <a:t>است و می تواند به شکل زیر تجزیه شود:</a:t>
+            </a:r>
+            <a:endParaRPr lang="fa-IR" dirty="0" smtClean="0"/>
+          </a:p>
+          <a:p>
+            <a:pPr marL="0" indent="0" algn="r" rtl="1">
+              <a:buNone/>
+            </a:pPr>
+            <a:endParaRPr lang="fa-IR" dirty="0" smtClean="0"/>
+          </a:p>
+        </p:txBody>
+      </p:sp>
+      <p:pic>
+        <p:nvPicPr>
+          <p:cNvPr id="2" name="Picture 1"/>
+          <p:cNvPicPr>
+            <a:picLocks noChangeAspect="1"/>
+          </p:cNvPicPr>
+          <p:nvPr/>
+        </p:nvPicPr>
+        <p:blipFill rotWithShape="1">
+          <a:blip r:embed="rId2"/>
+          <a:srcRect l="14235" t="44732" r="54202" b="26696"/>
+          <a:stretch/>
+        </p:blipFill>
+        <p:spPr>
+          <a:xfrm>
+            <a:off x="581192" y="2321469"/>
+            <a:ext cx="4088674" cy="2090057"/>
+          </a:xfrm>
+          <a:prstGeom prst="rect">
+            <a:avLst/>
+          </a:prstGeom>
+        </p:spPr>
+      </p:pic>
+    </p:spTree>
+    <p:extLst>
+      <p:ext uri="{BB962C8B-B14F-4D97-AF65-F5344CB8AC3E}">
+        <p14:creationId xmlns:p14="http://schemas.microsoft.com/office/powerpoint/2010/main" val="1710503805"/>
+      </p:ext>
+    </p:extLst>
+  </p:cSld>
+  <p:clrMapOvr>
+    <a:masterClrMapping/>
+  </p:clrMapOvr>
+</p:sld>
+</file>
+
 <file path=ppt/slides/slide2.xml><?xml version="1.0" encoding="utf-8"?>
 <p:sld xmlns:a="http://schemas.openxmlformats.org/drawingml/2006/main" xmlns:r="http://schemas.openxmlformats.org/officeDocument/2006/relationships" xmlns:p="http://schemas.openxmlformats.org/presentationml/2006/main">
   <p:cSld>

--- a/article.pptx
+++ b/article.pptx
@@ -24,6 +24,17 @@
     <p:sldId id="274" r:id="rId18"/>
     <p:sldId id="276" r:id="rId19"/>
     <p:sldId id="277" r:id="rId20"/>
+    <p:sldId id="278" r:id="rId21"/>
+    <p:sldId id="279" r:id="rId22"/>
+    <p:sldId id="280" r:id="rId23"/>
+    <p:sldId id="281" r:id="rId24"/>
+    <p:sldId id="282" r:id="rId25"/>
+    <p:sldId id="283" r:id="rId26"/>
+    <p:sldId id="284" r:id="rId27"/>
+    <p:sldId id="285" r:id="rId28"/>
+    <p:sldId id="286" r:id="rId29"/>
+    <p:sldId id="287" r:id="rId30"/>
+    <p:sldId id="288" r:id="rId31"/>
   </p:sldIdLst>
   <p:sldSz cx="12192000" cy="6858000"/>
   <p:notesSz cx="6858000" cy="9144000"/>
@@ -368,7 +379,7 @@
           <a:p>
             <a:fld id="{ED291B17-9318-49DB-B28B-6E5994AE9581}" type="datetime1">
               <a:rPr lang="en-US" smtClean="0"/>
-              <a:t>5/22/2022</a:t>
+              <a:t>5/23/2022</a:t>
             </a:fld>
             <a:endParaRPr lang="en-US" dirty="0"/>
           </a:p>
@@ -571,7 +582,7 @@
           <a:p>
             <a:fld id="{2CED4963-E985-44C4-B8C4-FDD613B7C2F8}" type="datetime1">
               <a:rPr lang="en-US" smtClean="0"/>
-              <a:t>5/22/2022</a:t>
+              <a:t>5/23/2022</a:t>
             </a:fld>
             <a:endParaRPr lang="en-US" dirty="0"/>
           </a:p>
@@ -633,7 +644,7 @@
 </file>
 
 <file path=ppt/slideLayouts/slideLayout11.xml><?xml version="1.0" encoding="utf-8"?>
-<p:sldLayout xmlns:a="http://schemas.openxmlformats.org/drawingml/2006/main" xmlns:r="http://schemas.openxmlformats.org/officeDocument/2006/relationships" xmlns:p="http://schemas.openxmlformats.org/presentationml/2006/main" showMasterSp="0" type="vertTitleAndTx" preserve="1">
+<p:sldLayout xmlns:a="http://schemas.openxmlformats.org/drawingml/2006/main" xmlns:r="http://schemas.openxmlformats.org/officeDocument/2006/relationships" xmlns:p="http://schemas.openxmlformats.org/presentationml/2006/main" type="vertTitleAndTx" preserve="1">
   <p:cSld name="Vertical Title and Text">
     <p:spTree>
       <p:nvGrpSpPr>
@@ -933,7 +944,7 @@
           <a:p>
             <a:fld id="{ED291B17-9318-49DB-B28B-6E5994AE9581}" type="datetime1">
               <a:rPr lang="en-US" smtClean="0"/>
-              <a:t>5/22/2022</a:t>
+              <a:t>5/23/2022</a:t>
             </a:fld>
             <a:endParaRPr lang="en-US" dirty="0"/>
           </a:p>
@@ -1131,7 +1142,7 @@
           <a:p>
             <a:fld id="{78DD82B9-B8EE-4375-B6FF-88FA6ABB15D9}" type="datetime1">
               <a:rPr lang="en-US" smtClean="0"/>
-              <a:t>5/22/2022</a:t>
+              <a:t>5/23/2022</a:t>
             </a:fld>
             <a:endParaRPr lang="en-US" dirty="0"/>
           </a:p>
@@ -1443,7 +1454,7 @@
           <a:p>
             <a:fld id="{B2497495-0637-405E-AE64-5CC7506D51F5}" type="datetime1">
               <a:rPr lang="en-US" smtClean="0"/>
-              <a:t>5/22/2022</a:t>
+              <a:t>5/23/2022</a:t>
             </a:fld>
             <a:endParaRPr lang="en-US" dirty="0"/>
           </a:p>
@@ -1696,7 +1707,7 @@
           <a:p>
             <a:fld id="{7BFFD690-9426-415D-8B65-26881E07B2D4}" type="datetime1">
               <a:rPr lang="en-US" smtClean="0"/>
-              <a:t>5/22/2022</a:t>
+              <a:t>5/23/2022</a:t>
             </a:fld>
             <a:endParaRPr lang="en-US" dirty="0"/>
           </a:p>
@@ -2118,7 +2129,7 @@
           <a:p>
             <a:fld id="{04C4989A-474C-40DE-95B9-011C28B71673}" type="datetime1">
               <a:rPr lang="en-US" smtClean="0"/>
-              <a:t>5/22/2022</a:t>
+              <a:t>5/23/2022</a:t>
             </a:fld>
             <a:endParaRPr lang="en-US" dirty="0"/>
           </a:p>
@@ -2241,7 +2252,7 @@
           <a:p>
             <a:fld id="{5DB4ED54-5B5E-4A04-93D3-5772E3CE3818}" type="datetime1">
               <a:rPr lang="en-US" smtClean="0"/>
-              <a:t>5/22/2022</a:t>
+              <a:t>5/23/2022</a:t>
             </a:fld>
             <a:endParaRPr lang="en-US" dirty="0"/>
           </a:p>
@@ -2336,7 +2347,7 @@
           <a:p>
             <a:fld id="{4EDE50D6-574B-40AF-946F-D52A04ADE379}" type="datetime1">
               <a:rPr lang="en-US" smtClean="0"/>
-              <a:t>5/22/2022</a:t>
+              <a:t>5/23/2022</a:t>
             </a:fld>
             <a:endParaRPr lang="en-US" dirty="0"/>
           </a:p>
@@ -2713,7 +2724,7 @@
           <a:p>
             <a:fld id="{D82884F1-FFEA-405F-9602-3DCA865EDA4E}" type="datetime1">
               <a:rPr lang="en-US" smtClean="0"/>
-              <a:t>5/22/2022</a:t>
+              <a:t>5/23/2022</a:t>
             </a:fld>
             <a:endParaRPr lang="en-US" dirty="0"/>
           </a:p>
@@ -3006,7 +3017,7 @@
           <a:p>
             <a:fld id="{7E18DB4A-8810-4A10-AD5C-D5E2C667F5B3}" type="datetime1">
               <a:rPr lang="en-US" smtClean="0"/>
-              <a:t>5/22/2022</a:t>
+              <a:t>5/23/2022</a:t>
             </a:fld>
             <a:endParaRPr lang="en-US" dirty="0"/>
           </a:p>
@@ -3221,7 +3232,7 @@
           <a:p>
             <a:fld id="{ED291B17-9318-49DB-B28B-6E5994AE9581}" type="datetime1">
               <a:rPr lang="en-US" smtClean="0"/>
-              <a:t>5/22/2022</a:t>
+              <a:t>5/23/2022</a:t>
             </a:fld>
             <a:endParaRPr lang="en-US" dirty="0"/>
           </a:p>
@@ -3839,14 +3850,6 @@
 <file path=ppt/slides/slide1.xml><?xml version="1.0" encoding="utf-8"?>
 <p:sld xmlns:a="http://schemas.openxmlformats.org/drawingml/2006/main" xmlns:r="http://schemas.openxmlformats.org/officeDocument/2006/relationships" xmlns:p="http://schemas.openxmlformats.org/presentationml/2006/main">
   <p:cSld>
-    <p:bg>
-      <p:bgPr>
-        <a:solidFill>
-          <a:schemeClr val="bg1"/>
-        </a:solidFill>
-        <a:effectLst/>
-      </p:bgPr>
-    </p:bg>
     <p:spTree>
       <p:nvGrpSpPr>
         <p:cNvPr id="1" name=""/>
@@ -3869,7 +3872,7 @@
                 <a16:creationId xmlns:a16="http://schemas.microsoft.com/office/drawing/2014/main" id="{D6D7A0BC-0046-4CAA-8E7F-DCAFE511EA0E}"/>
               </a:ext>
               <a:ext uri="{C183D7F6-B498-43B3-948B-1728B52AA6E4}">
-                <adec:decorative xmlns:adec="http://schemas.microsoft.com/office/drawing/2017/decorative" xmlns="" val="1"/>
+                <adec:decorative xmlns="" xmlns:adec="http://schemas.microsoft.com/office/drawing/2017/decorative" val="1"/>
               </a:ext>
             </a:extLst>
           </p:cNvPr>
@@ -3990,7 +3993,6 @@
               <a:rPr lang="en-US" dirty="0"/>
               <a:t>Ferdinando Di Martino1, Sabrina Senatore2</a:t>
             </a:r>
-            <a:endParaRPr lang="en-US" dirty="0"/>
           </a:p>
         </p:txBody>
       </p:sp>
@@ -4002,7 +4004,7 @@
                 <a16:creationId xmlns:a16="http://schemas.microsoft.com/office/drawing/2014/main" id="{E7C6334F-6411-41EC-AD7D-179EDD8B58CB}"/>
               </a:ext>
               <a:ext uri="{C183D7F6-B498-43B3-948B-1728B52AA6E4}">
-                <adec:decorative xmlns:adec="http://schemas.microsoft.com/office/drawing/2017/decorative" xmlns="" val="1"/>
+                <adec:decorative xmlns="" xmlns:adec="http://schemas.microsoft.com/office/drawing/2017/decorative" val="1"/>
               </a:ext>
             </a:extLst>
           </p:cNvPr>
@@ -4056,7 +4058,7 @@
                 <a16:creationId xmlns:a16="http://schemas.microsoft.com/office/drawing/2014/main" id="{E6B02CEE-3AF8-4349-9B3E-8970E6DF62B3}"/>
               </a:ext>
               <a:ext uri="{C183D7F6-B498-43B3-948B-1728B52AA6E4}">
-                <adec:decorative xmlns:adec="http://schemas.microsoft.com/office/drawing/2017/decorative" xmlns="" val="1"/>
+                <adec:decorative xmlns="" xmlns:adec="http://schemas.microsoft.com/office/drawing/2017/decorative" val="1"/>
               </a:ext>
             </a:extLst>
           </p:cNvPr>
@@ -4110,7 +4112,7 @@
                 <a16:creationId xmlns:a16="http://schemas.microsoft.com/office/drawing/2014/main" id="{AAA01CF0-3FB5-44EB-B7DE-F2E86374C2FB}"/>
               </a:ext>
               <a:ext uri="{C183D7F6-B498-43B3-948B-1728B52AA6E4}">
-                <adec:decorative xmlns:adec="http://schemas.microsoft.com/office/drawing/2017/decorative" xmlns="" val="1"/>
+                <adec:decorative xmlns="" xmlns:adec="http://schemas.microsoft.com/office/drawing/2017/decorative" val="1"/>
               </a:ext>
             </a:extLst>
           </p:cNvPr>
@@ -5972,6 +5974,2473 @@
 </p:sld>
 </file>
 
+<file path=ppt/slides/slide20.xml><?xml version="1.0" encoding="utf-8"?>
+<p:sld xmlns:a="http://schemas.openxmlformats.org/drawingml/2006/main" xmlns:r="http://schemas.openxmlformats.org/officeDocument/2006/relationships" xmlns:p="http://schemas.openxmlformats.org/presentationml/2006/main">
+  <p:cSld>
+    <p:spTree>
+      <p:nvGrpSpPr>
+        <p:cNvPr id="1" name=""/>
+        <p:cNvGrpSpPr/>
+        <p:nvPr/>
+      </p:nvGrpSpPr>
+      <p:grpSpPr>
+        <a:xfrm>
+          <a:off x="0" y="0"/>
+          <a:ext cx="0" cy="0"/>
+          <a:chOff x="0" y="0"/>
+          <a:chExt cx="0" cy="0"/>
+        </a:xfrm>
+      </p:grpSpPr>
+      <p:sp>
+        <p:nvSpPr>
+          <p:cNvPr id="3" name="Content Placeholder 2"/>
+          <p:cNvSpPr>
+            <a:spLocks noGrp="1"/>
+          </p:cNvSpPr>
+          <p:nvPr>
+            <p:ph idx="1"/>
+          </p:nvPr>
+        </p:nvSpPr>
+        <p:spPr>
+          <a:xfrm>
+            <a:off x="581192" y="757646"/>
+            <a:ext cx="11029615" cy="5217704"/>
+          </a:xfrm>
+        </p:spPr>
+        <p:txBody>
+          <a:bodyPr anchor="t"/>
+          <a:lstStyle/>
+          <a:p>
+            <a:pPr algn="r" rtl="1"/>
+            <a:r>
+              <a:rPr lang="en-US" sz="2000" dirty="0"/>
+              <a:t>Qi </a:t>
+            </a:r>
+            <a:r>
+              <a:rPr lang="fa-IR" sz="2000" dirty="0"/>
+              <a:t>یک ماتریس متعامد و </a:t>
+            </a:r>
+            <a:r>
+              <a:rPr lang="el-GR" sz="2000" dirty="0"/>
+              <a:t>Λ</a:t>
+            </a:r>
+            <a:r>
+              <a:rPr lang="en-US" sz="2000" dirty="0"/>
+              <a:t>i = (</a:t>
+            </a:r>
+            <a:r>
+              <a:rPr lang="el-GR" sz="2000" dirty="0"/>
+              <a:t>λ</a:t>
+            </a:r>
+            <a:r>
+              <a:rPr lang="en-US" sz="2000" dirty="0"/>
+              <a:t>ik)، k = 1،...،n، </a:t>
+            </a:r>
+            <a:r>
+              <a:rPr lang="fa-IR" sz="2000" dirty="0"/>
+              <a:t>یک ماتریس مورب است</a:t>
+            </a:r>
+            <a:r>
+              <a:rPr lang="fa-IR" sz="2000" dirty="0" smtClean="0"/>
+              <a:t>.</a:t>
+            </a:r>
+            <a:endParaRPr lang="en-US" sz="2000" dirty="0" smtClean="0"/>
+          </a:p>
+          <a:p>
+            <a:pPr algn="r" rtl="1"/>
+            <a:r>
+              <a:rPr lang="fa-IR" sz="2000" dirty="0" smtClean="0"/>
+              <a:t> </a:t>
+            </a:r>
+            <a:r>
+              <a:rPr lang="fa-IR" sz="2000" dirty="0"/>
+              <a:t>در الگوریتم </a:t>
+            </a:r>
+            <a:r>
+              <a:rPr lang="en-US" sz="2000" dirty="0"/>
+              <a:t>EFCM </a:t>
+            </a:r>
+            <a:r>
+              <a:rPr lang="fa-IR" sz="2000" dirty="0"/>
+              <a:t>شعاع </a:t>
+            </a:r>
+            <a:r>
+              <a:rPr lang="en-US" sz="2000" dirty="0"/>
+              <a:t>ri </a:t>
+            </a:r>
+            <a:r>
+              <a:rPr lang="fa-IR" sz="2000" dirty="0"/>
+              <a:t>به عنوان میانگین هندسی عناصر </a:t>
+            </a:r>
+            <a:r>
+              <a:rPr lang="el-GR" sz="2000" dirty="0"/>
+              <a:t>λ</a:t>
+            </a:r>
+            <a:r>
+              <a:rPr lang="en-US" sz="2000" dirty="0"/>
+              <a:t>ik </a:t>
+            </a:r>
+            <a:r>
+              <a:rPr lang="fa-IR" sz="2000" dirty="0"/>
+              <a:t>با </a:t>
+            </a:r>
+            <a:r>
+              <a:rPr lang="fa-IR" sz="2000" dirty="0" smtClean="0"/>
+              <a:t>فرمول زیر </a:t>
+            </a:r>
+            <a:r>
+              <a:rPr lang="fa-IR" sz="2000" dirty="0"/>
+              <a:t>محاسبه می شود:</a:t>
+            </a:r>
+            <a:endParaRPr lang="fa-IR" dirty="0" smtClean="0"/>
+          </a:p>
+          <a:p>
+            <a:pPr marL="0" indent="0" algn="r" rtl="1">
+              <a:buNone/>
+            </a:pPr>
+            <a:endParaRPr lang="fa-IR" dirty="0" smtClean="0"/>
+          </a:p>
+          <a:p>
+            <a:pPr marL="0" indent="0" algn="r" rtl="1">
+              <a:buNone/>
+            </a:pPr>
+            <a:endParaRPr lang="fa-IR" dirty="0"/>
+          </a:p>
+          <a:p>
+            <a:pPr marL="0" indent="0" algn="r" rtl="1">
+              <a:buNone/>
+            </a:pPr>
+            <a:endParaRPr lang="fa-IR" dirty="0" smtClean="0"/>
+          </a:p>
+          <a:p>
+            <a:pPr marL="0" indent="0" algn="r" rtl="1">
+              <a:buNone/>
+            </a:pPr>
+            <a:r>
+              <a:rPr lang="fa-IR" sz="2000" dirty="0"/>
+              <a:t>برای جلوگیری از تقسیم بر صفر در </a:t>
+            </a:r>
+            <a:r>
+              <a:rPr lang="fa-IR" sz="2000" dirty="0" smtClean="0"/>
+              <a:t>محسابه </a:t>
+            </a:r>
+            <a:r>
+              <a:rPr lang="en-US" sz="2000" dirty="0"/>
+              <a:t>uij، </a:t>
+            </a:r>
+            <a:r>
+              <a:rPr lang="fa-IR" sz="2000" dirty="0"/>
+              <a:t>برای هر الگوی </a:t>
+            </a:r>
+            <a:r>
+              <a:rPr lang="en-US" sz="2000" dirty="0"/>
+              <a:t>xj </a:t>
+            </a:r>
+            <a:r>
+              <a:rPr lang="fa-IR" sz="2000" dirty="0" smtClean="0"/>
+              <a:t> </a:t>
+            </a:r>
+            <a:r>
+              <a:rPr lang="fa-IR" sz="2000" dirty="0"/>
+              <a:t>پارامتر </a:t>
+            </a:r>
+            <a:r>
+              <a:rPr lang="el-GR" sz="2000" dirty="0"/>
+              <a:t>ϕ</a:t>
+            </a:r>
+            <a:r>
+              <a:rPr lang="en-US" sz="2000" dirty="0"/>
+              <a:t>j </a:t>
+            </a:r>
+            <a:r>
+              <a:rPr lang="fa-IR" sz="2000" dirty="0" smtClean="0"/>
+              <a:t> برابر </a:t>
+            </a:r>
+            <a:r>
+              <a:rPr lang="fa-IR" sz="2000" dirty="0"/>
+              <a:t>با تعداد </a:t>
+            </a:r>
+            <a:r>
+              <a:rPr lang="fa-IR" sz="2000" dirty="0" smtClean="0"/>
+              <a:t>خوشه‌ها </a:t>
+            </a:r>
+            <a:r>
+              <a:rPr lang="fa-IR" sz="2000" dirty="0"/>
+              <a:t>محاسبه </a:t>
+            </a:r>
+            <a:r>
+              <a:rPr lang="fa-IR" sz="2000" dirty="0" smtClean="0"/>
+              <a:t>می‌شود </a:t>
+            </a:r>
+            <a:r>
+              <a:rPr lang="fa-IR" sz="2000" dirty="0"/>
+              <a:t>برای </a:t>
+            </a:r>
+            <a:r>
+              <a:rPr lang="fa-IR" sz="2000" dirty="0" smtClean="0"/>
+              <a:t>آن </a:t>
+            </a:r>
+            <a:r>
+              <a:rPr lang="en-US" sz="2000" dirty="0" smtClean="0"/>
+              <a:t> </a:t>
+            </a:r>
+            <a:r>
+              <a:rPr lang="ta-IN" sz="2000" dirty="0" smtClean="0"/>
+              <a:t>𝛿</a:t>
+            </a:r>
+            <a:r>
+              <a:rPr lang="en-US" sz="2000" dirty="0" smtClean="0"/>
+              <a:t>kj=0</a:t>
+            </a:r>
+            <a:r>
+              <a:rPr lang="fa-IR" sz="2000" dirty="0" smtClean="0"/>
+              <a:t>هر </a:t>
+            </a:r>
+            <a:r>
+              <a:rPr lang="en-US" sz="2000" dirty="0" smtClean="0"/>
+              <a:t> k </a:t>
+            </a:r>
+            <a:r>
+              <a:rPr lang="en-US" sz="2000" dirty="0"/>
+              <a:t>= {1,…,</a:t>
+            </a:r>
+            <a:r>
+              <a:rPr lang="en-US" sz="2000" dirty="0" smtClean="0"/>
+              <a:t>C}</a:t>
+            </a:r>
+            <a:r>
+              <a:rPr lang="fa-IR" sz="2000" dirty="0" smtClean="0"/>
+              <a:t>است</a:t>
+            </a:r>
+            <a:r>
+              <a:rPr lang="fa-IR" sz="2000" dirty="0"/>
+              <a:t>. فرمول زیر برای </a:t>
+            </a:r>
+            <a:r>
+              <a:rPr lang="en-US" sz="2000" dirty="0" smtClean="0"/>
+              <a:t>:uij </a:t>
+            </a:r>
+            <a:endParaRPr lang="fa-IR" dirty="0"/>
+          </a:p>
+        </p:txBody>
+      </p:sp>
+      <p:pic>
+        <p:nvPicPr>
+          <p:cNvPr id="4" name="Picture 3"/>
+          <p:cNvPicPr>
+            <a:picLocks noChangeAspect="1"/>
+          </p:cNvPicPr>
+          <p:nvPr/>
+        </p:nvPicPr>
+        <p:blipFill rotWithShape="1">
+          <a:blip r:embed="rId2"/>
+          <a:srcRect l="14135" t="59911" r="55209" b="24553"/>
+          <a:stretch/>
+        </p:blipFill>
+        <p:spPr>
+          <a:xfrm>
+            <a:off x="4110444" y="1815738"/>
+            <a:ext cx="3971110" cy="1136469"/>
+          </a:xfrm>
+          <a:prstGeom prst="rect">
+            <a:avLst/>
+          </a:prstGeom>
+        </p:spPr>
+      </p:pic>
+      <p:pic>
+        <p:nvPicPr>
+          <p:cNvPr id="6" name="Picture 5"/>
+          <p:cNvPicPr>
+            <a:picLocks noChangeAspect="1"/>
+          </p:cNvPicPr>
+          <p:nvPr/>
+        </p:nvPicPr>
+        <p:blipFill rotWithShape="1">
+          <a:blip r:embed="rId3"/>
+          <a:srcRect l="13327" t="25268" r="43715" b="32947"/>
+          <a:stretch/>
+        </p:blipFill>
+        <p:spPr>
+          <a:xfrm>
+            <a:off x="3313610" y="3801291"/>
+            <a:ext cx="5564778" cy="3056709"/>
+          </a:xfrm>
+          <a:prstGeom prst="rect">
+            <a:avLst/>
+          </a:prstGeom>
+        </p:spPr>
+      </p:pic>
+    </p:spTree>
+    <p:extLst>
+      <p:ext uri="{BB962C8B-B14F-4D97-AF65-F5344CB8AC3E}">
+        <p14:creationId xmlns:p14="http://schemas.microsoft.com/office/powerpoint/2010/main" val="2974747649"/>
+      </p:ext>
+    </p:extLst>
+  </p:cSld>
+  <p:clrMapOvr>
+    <a:masterClrMapping/>
+  </p:clrMapOvr>
+</p:sld>
+</file>
+
+<file path=ppt/slides/slide21.xml><?xml version="1.0" encoding="utf-8"?>
+<p:sld xmlns:a="http://schemas.openxmlformats.org/drawingml/2006/main" xmlns:r="http://schemas.openxmlformats.org/officeDocument/2006/relationships" xmlns:p="http://schemas.openxmlformats.org/presentationml/2006/main">
+  <p:cSld>
+    <p:spTree>
+      <p:nvGrpSpPr>
+        <p:cNvPr id="1" name=""/>
+        <p:cNvGrpSpPr/>
+        <p:nvPr/>
+      </p:nvGrpSpPr>
+      <p:grpSpPr>
+        <a:xfrm>
+          <a:off x="0" y="0"/>
+          <a:ext cx="0" cy="0"/>
+          <a:chOff x="0" y="0"/>
+          <a:chExt cx="0" cy="0"/>
+        </a:xfrm>
+      </p:grpSpPr>
+      <p:sp>
+        <p:nvSpPr>
+          <p:cNvPr id="3" name="Content Placeholder 2"/>
+          <p:cNvSpPr>
+            <a:spLocks noGrp="1"/>
+          </p:cNvSpPr>
+          <p:nvPr>
+            <p:ph idx="1"/>
+          </p:nvPr>
+        </p:nvSpPr>
+        <p:spPr>
+          <a:xfrm>
+            <a:off x="581192" y="757646"/>
+            <a:ext cx="11029615" cy="5217704"/>
+          </a:xfrm>
+        </p:spPr>
+        <p:txBody>
+          <a:bodyPr anchor="t"/>
+          <a:lstStyle/>
+          <a:p>
+            <a:pPr algn="r" rtl="1"/>
+            <a:r>
+              <a:rPr lang="fa-IR" dirty="0"/>
+              <a:t>مراکز خوشه‌ها </a:t>
+            </a:r>
+            <a:r>
+              <a:rPr lang="en-US" dirty="0"/>
+              <a:t>vi i = 1,...,C </a:t>
+            </a:r>
+            <a:r>
+              <a:rPr lang="fa-IR" dirty="0"/>
+              <a:t>مانند </a:t>
+            </a:r>
+            <a:r>
+              <a:rPr lang="en-US" dirty="0"/>
+              <a:t>C-means </a:t>
+            </a:r>
+            <a:r>
+              <a:rPr lang="fa-IR" dirty="0"/>
+              <a:t>فازی سنتی محاسبه می‌شوند.</a:t>
+            </a:r>
+          </a:p>
+          <a:p>
+            <a:pPr algn="r" rtl="1"/>
+            <a:r>
+              <a:rPr lang="fa-IR" dirty="0"/>
+              <a:t>الگوریتم به شرح زیر است</a:t>
+            </a:r>
+            <a:r>
+              <a:rPr lang="fa-IR" dirty="0" smtClean="0"/>
+              <a:t>:</a:t>
+            </a:r>
+          </a:p>
+          <a:p>
+            <a:pPr algn="r" rtl="1"/>
+            <a:endParaRPr lang="fa-IR" dirty="0"/>
+          </a:p>
+          <a:p>
+            <a:pPr algn="r" rtl="1"/>
+            <a:endParaRPr lang="fa-IR" dirty="0" smtClean="0"/>
+          </a:p>
+          <a:p>
+            <a:pPr marL="0" indent="0" algn="r" rtl="1">
+              <a:buNone/>
+            </a:pPr>
+            <a:endParaRPr lang="fa-IR" dirty="0" smtClean="0"/>
+          </a:p>
+          <a:p>
+            <a:pPr algn="r" rtl="1">
+              <a:lnSpc>
+                <a:spcPct val="150000"/>
+              </a:lnSpc>
+            </a:pPr>
+            <a:r>
+              <a:rPr lang="fa-IR" sz="1800" dirty="0"/>
+              <a:t>برای اطمینان از جدایی بین مراکز خوشه، شعاع میانگین خوشه </a:t>
+            </a:r>
+            <a:r>
+              <a:rPr lang="en-US" sz="1800" dirty="0" smtClean="0"/>
+              <a:t>i </a:t>
+            </a:r>
+            <a:r>
+              <a:rPr lang="fa-IR" sz="1800" dirty="0"/>
+              <a:t>در هر تکرار با ضریب </a:t>
+            </a:r>
+            <a:r>
+              <a:rPr lang="en-US" sz="1800" dirty="0" smtClean="0"/>
+              <a:t>B(t)/C(t)</a:t>
+            </a:r>
+            <a:r>
+              <a:rPr lang="fa-IR" sz="1800" dirty="0" smtClean="0"/>
+              <a:t>  افزایش </a:t>
+            </a:r>
+            <a:r>
+              <a:rPr lang="fa-IR" sz="1800" dirty="0"/>
+              <a:t>می یابد، که در آن </a:t>
+            </a:r>
+            <a:r>
+              <a:rPr lang="en-US" sz="1800" dirty="0"/>
+              <a:t>C(t) </a:t>
+            </a:r>
+            <a:r>
+              <a:rPr lang="fa-IR" sz="1800" dirty="0"/>
+              <a:t>تعداد خوشه های شناسایی شده در تکرار </a:t>
+            </a:r>
+            <a:r>
+              <a:rPr lang="en-US" sz="1800" dirty="0"/>
+              <a:t>t </a:t>
+            </a:r>
+            <a:r>
+              <a:rPr lang="fa-IR" sz="1800" dirty="0"/>
+              <a:t>است و </a:t>
+            </a:r>
+            <a:r>
+              <a:rPr lang="el-GR" sz="1800" dirty="0"/>
+              <a:t>β(</a:t>
+            </a:r>
+            <a:r>
+              <a:rPr lang="en-US" sz="1800" dirty="0"/>
+              <a:t>t) </a:t>
+            </a:r>
+            <a:r>
+              <a:rPr lang="fa-IR" sz="1800" dirty="0"/>
+              <a:t>به صورت بازگشتی به </a:t>
+            </a:r>
+            <a:r>
+              <a:rPr lang="fa-IR" sz="1800" dirty="0" smtClean="0"/>
+              <a:t>صورت                                                                تعریف </a:t>
+            </a:r>
+            <a:r>
+              <a:rPr lang="fa-IR" sz="1800" dirty="0"/>
+              <a:t>می شود. تعداد بهینه خوشه ها از ادغام دو خوشه مشابه در هر تکرار حاصل می شود اگر شباهت آنها زیر یک آستانه مشخص باشد. برای اندازه گیری شباهت بین دو خوشه، شاخص گنجاندن زیر محاسبه می شود:</a:t>
+            </a:r>
+            <a:endParaRPr lang="fa-IR" sz="1800" dirty="0" smtClean="0"/>
+          </a:p>
+        </p:txBody>
+      </p:sp>
+      <p:pic>
+        <p:nvPicPr>
+          <p:cNvPr id="4" name="Picture 3"/>
+          <p:cNvPicPr>
+            <a:picLocks noChangeAspect="1"/>
+          </p:cNvPicPr>
+          <p:nvPr/>
+        </p:nvPicPr>
+        <p:blipFill rotWithShape="1">
+          <a:blip r:embed="rId2"/>
+          <a:srcRect l="13933" t="35982" r="57529" b="35804"/>
+          <a:stretch/>
+        </p:blipFill>
+        <p:spPr>
+          <a:xfrm>
+            <a:off x="1959428" y="757646"/>
+            <a:ext cx="3696790" cy="2063931"/>
+          </a:xfrm>
+          <a:prstGeom prst="rect">
+            <a:avLst/>
+          </a:prstGeom>
+        </p:spPr>
+      </p:pic>
+      <p:pic>
+        <p:nvPicPr>
+          <p:cNvPr id="5" name="Picture 4"/>
+          <p:cNvPicPr>
+            <a:picLocks noChangeAspect="1"/>
+          </p:cNvPicPr>
+          <p:nvPr/>
+        </p:nvPicPr>
+        <p:blipFill rotWithShape="1">
+          <a:blip r:embed="rId3"/>
+          <a:srcRect l="6169" t="61160" r="55310" b="32768"/>
+          <a:stretch/>
+        </p:blipFill>
+        <p:spPr>
+          <a:xfrm>
+            <a:off x="966651" y="3281587"/>
+            <a:ext cx="4140927" cy="444138"/>
+          </a:xfrm>
+          <a:prstGeom prst="rect">
+            <a:avLst/>
+          </a:prstGeom>
+        </p:spPr>
+      </p:pic>
+      <p:pic>
+        <p:nvPicPr>
+          <p:cNvPr id="6" name="Picture 5"/>
+          <p:cNvPicPr>
+            <a:picLocks noChangeAspect="1"/>
+          </p:cNvPicPr>
+          <p:nvPr/>
+        </p:nvPicPr>
+        <p:blipFill rotWithShape="1">
+          <a:blip r:embed="rId4"/>
+          <a:srcRect l="15849" t="42589" r="58840" b="30625"/>
+          <a:stretch/>
+        </p:blipFill>
+        <p:spPr>
+          <a:xfrm>
+            <a:off x="1397725" y="4365803"/>
+            <a:ext cx="3278777" cy="1959430"/>
+          </a:xfrm>
+          <a:prstGeom prst="rect">
+            <a:avLst/>
+          </a:prstGeom>
+        </p:spPr>
+      </p:pic>
+    </p:spTree>
+    <p:extLst>
+      <p:ext uri="{BB962C8B-B14F-4D97-AF65-F5344CB8AC3E}">
+        <p14:creationId xmlns:p14="http://schemas.microsoft.com/office/powerpoint/2010/main" val="1839192721"/>
+      </p:ext>
+    </p:extLst>
+  </p:cSld>
+  <p:clrMapOvr>
+    <a:masterClrMapping/>
+  </p:clrMapOvr>
+</p:sld>
+</file>
+
+<file path=ppt/slides/slide22.xml><?xml version="1.0" encoding="utf-8"?>
+<p:sld xmlns:a="http://schemas.openxmlformats.org/drawingml/2006/main" xmlns:r="http://schemas.openxmlformats.org/officeDocument/2006/relationships" xmlns:p="http://schemas.openxmlformats.org/presentationml/2006/main" showMasterSp="0">
+  <p:cSld>
+    <p:spTree>
+      <p:nvGrpSpPr>
+        <p:cNvPr id="1" name=""/>
+        <p:cNvGrpSpPr/>
+        <p:nvPr/>
+      </p:nvGrpSpPr>
+      <p:grpSpPr>
+        <a:xfrm>
+          <a:off x="0" y="0"/>
+          <a:ext cx="0" cy="0"/>
+          <a:chOff x="0" y="0"/>
+          <a:chExt cx="0" cy="0"/>
+        </a:xfrm>
+      </p:grpSpPr>
+      <p:sp>
+        <p:nvSpPr>
+          <p:cNvPr id="3" name="Content Placeholder 2"/>
+          <p:cNvSpPr>
+            <a:spLocks noGrp="1"/>
+          </p:cNvSpPr>
+          <p:nvPr>
+            <p:ph idx="4294967295"/>
+          </p:nvPr>
+        </p:nvSpPr>
+        <p:spPr>
+          <a:xfrm>
+            <a:off x="0" y="1"/>
+            <a:ext cx="12192000" cy="6858000"/>
+          </a:xfrm>
+        </p:spPr>
+        <p:txBody>
+          <a:bodyPr numCol="2" anchor="t">
+            <a:normAutofit lnSpcReduction="10000"/>
+          </a:bodyPr>
+          <a:lstStyle/>
+          <a:p>
+            <a:r>
+              <a:rPr lang="en-US" dirty="0" smtClean="0"/>
+              <a:t>Algorithm</a:t>
+            </a:r>
+            <a:r>
+              <a:rPr lang="en-US" dirty="0"/>
+              <a:t>: EFCM                                                                               </a:t>
+            </a:r>
+          </a:p>
+          <a:p>
+            <a:r>
+              <a:rPr lang="en-US" dirty="0"/>
+              <a:t>1.        </a:t>
+            </a:r>
+            <a:r>
+              <a:rPr lang="en-US" dirty="0" smtClean="0"/>
+              <a:t>Set </a:t>
+            </a:r>
+            <a:r>
+              <a:rPr lang="en-US" dirty="0"/>
+              <a:t>m, </a:t>
+            </a:r>
+            <a:r>
+              <a:rPr lang="el-GR" dirty="0"/>
+              <a:t>ε, η, </a:t>
+            </a:r>
+            <a:r>
+              <a:rPr lang="en-US" dirty="0"/>
+              <a:t>the initial number of clusters C(0</a:t>
+            </a:r>
+            <a:r>
+              <a:rPr lang="en-US" dirty="0" smtClean="0"/>
+              <a:t>)</a:t>
+            </a:r>
+            <a:endParaRPr lang="en-US" dirty="0"/>
+          </a:p>
+          <a:p>
+            <a:r>
+              <a:rPr lang="en-US" dirty="0"/>
+              <a:t>2.        </a:t>
+            </a:r>
+            <a:r>
+              <a:rPr lang="el-GR" dirty="0"/>
+              <a:t>β←1, </a:t>
+            </a:r>
+            <a:r>
+              <a:rPr lang="en-US" dirty="0"/>
+              <a:t>S* ←0, S*prev←</a:t>
+            </a:r>
+            <a:r>
+              <a:rPr lang="en-US" dirty="0" smtClean="0"/>
+              <a:t>1</a:t>
+            </a:r>
+            <a:endParaRPr lang="en-US" dirty="0"/>
+          </a:p>
+          <a:p>
+            <a:r>
+              <a:rPr lang="en-US" dirty="0"/>
+              <a:t>3.        Initialize randomly the partition matrix U and the centers </a:t>
+            </a:r>
+            <a:r>
+              <a:rPr lang="en-US" dirty="0" smtClean="0"/>
+              <a:t>vi</a:t>
+            </a:r>
+            <a:endParaRPr lang="en-US" dirty="0"/>
+          </a:p>
+          <a:p>
+            <a:r>
+              <a:rPr lang="en-US" dirty="0" smtClean="0"/>
+              <a:t>4</a:t>
+            </a:r>
+            <a:r>
+              <a:rPr lang="en-US" dirty="0"/>
+              <a:t>.        Repeat </a:t>
+            </a:r>
+            <a:endParaRPr lang="fa-IR" dirty="0" smtClean="0"/>
+          </a:p>
+          <a:p>
+            <a:r>
+              <a:rPr lang="en-US" dirty="0"/>
+              <a:t>5.                 Text Box: Journal Pre-proofFor i = 1 to C         // calculate centers and radius of </a:t>
+            </a:r>
+            <a:r>
+              <a:rPr lang="en-US" dirty="0" smtClean="0"/>
+              <a:t>clusters</a:t>
+            </a:r>
+            <a:endParaRPr lang="en-US" dirty="0"/>
+          </a:p>
+          <a:p>
+            <a:r>
+              <a:rPr lang="en-US" dirty="0"/>
+              <a:t>6.                        Calculate the center of the ith cluster vi by (4</a:t>
+            </a:r>
+            <a:r>
+              <a:rPr lang="en-US" dirty="0" smtClean="0"/>
+              <a:t>)</a:t>
+            </a:r>
+            <a:endParaRPr lang="en-US" dirty="0"/>
+          </a:p>
+          <a:p>
+            <a:r>
+              <a:rPr lang="en-US" dirty="0"/>
+              <a:t>7.                        Calculate the radius of the ith cluster ri by (12</a:t>
+            </a:r>
+            <a:r>
+              <a:rPr lang="en-US" dirty="0" smtClean="0"/>
+              <a:t>)</a:t>
+            </a:r>
+            <a:endParaRPr lang="en-US" dirty="0"/>
+          </a:p>
+          <a:p>
+            <a:r>
+              <a:rPr lang="en-US" dirty="0"/>
+              <a:t>8.                          ri← ri ∙ </a:t>
+            </a:r>
+            <a:r>
+              <a:rPr lang="el-GR" dirty="0"/>
+              <a:t>β/</a:t>
+            </a:r>
+            <a:r>
+              <a:rPr lang="en-US" dirty="0"/>
+              <a:t>C     //enlarge the radius of the ith </a:t>
+            </a:r>
+            <a:r>
+              <a:rPr lang="en-US" dirty="0" smtClean="0"/>
+              <a:t>cluster</a:t>
+            </a:r>
+            <a:endParaRPr lang="en-US" dirty="0"/>
+          </a:p>
+          <a:p>
+            <a:r>
+              <a:rPr lang="en-US" dirty="0"/>
+              <a:t>9.      </a:t>
+            </a:r>
+            <a:r>
+              <a:rPr lang="en-US" dirty="0" smtClean="0"/>
+              <a:t>          </a:t>
+            </a:r>
+            <a:r>
+              <a:rPr lang="en-US" dirty="0"/>
+              <a:t>For i = 1 to C        // calculate new partition </a:t>
+            </a:r>
+            <a:r>
+              <a:rPr lang="en-US" dirty="0" smtClean="0"/>
+              <a:t>matrix</a:t>
+            </a:r>
+            <a:endParaRPr lang="en-US" dirty="0"/>
+          </a:p>
+          <a:p>
+            <a:r>
+              <a:rPr lang="en-US" dirty="0"/>
+              <a:t>10.                        For j = 1 to </a:t>
+            </a:r>
+            <a:r>
+              <a:rPr lang="en-US" dirty="0" smtClean="0"/>
+              <a:t>N</a:t>
+            </a:r>
+            <a:endParaRPr lang="en-US" dirty="0"/>
+          </a:p>
+          <a:p>
+            <a:r>
+              <a:rPr lang="en-US" dirty="0"/>
+              <a:t>11.                            Calculate the membership degree component uij by (14</a:t>
+            </a:r>
+            <a:r>
+              <a:rPr lang="en-US" dirty="0" smtClean="0"/>
+              <a:t>)</a:t>
+            </a:r>
+            <a:endParaRPr lang="en-US" dirty="0"/>
+          </a:p>
+          <a:p>
+            <a:r>
+              <a:rPr lang="en-US" dirty="0"/>
+              <a:t>12.              For i = 1 to C-1       //Find the two most similar </a:t>
+            </a:r>
+            <a:r>
+              <a:rPr lang="en-US" dirty="0" smtClean="0"/>
+              <a:t>clusters</a:t>
+            </a:r>
+            <a:endParaRPr lang="en-US" dirty="0"/>
+          </a:p>
+          <a:p>
+            <a:r>
+              <a:rPr lang="en-US" dirty="0"/>
+              <a:t>13.                       For k = i+1 to </a:t>
+            </a:r>
+            <a:r>
+              <a:rPr lang="en-US" dirty="0" smtClean="0"/>
+              <a:t>C</a:t>
+            </a:r>
+            <a:endParaRPr lang="en-US" dirty="0"/>
+          </a:p>
+          <a:p>
+            <a:r>
+              <a:rPr lang="en-US" dirty="0"/>
+              <a:t>14.                            Calculate Sik by (15</a:t>
+            </a:r>
+            <a:r>
+              <a:rPr lang="en-US" dirty="0" smtClean="0"/>
+              <a:t>)</a:t>
+            </a:r>
+            <a:endParaRPr lang="en-US" dirty="0"/>
+          </a:p>
+          <a:p>
+            <a:r>
+              <a:rPr lang="en-US" dirty="0"/>
+              <a:t>15.                            If Sik &gt; S</a:t>
+            </a:r>
+            <a:r>
+              <a:rPr lang="en-US" dirty="0" smtClean="0"/>
+              <a:t>*</a:t>
+            </a:r>
+            <a:endParaRPr lang="en-US" dirty="0"/>
+          </a:p>
+          <a:p>
+            <a:r>
+              <a:rPr lang="en-US" dirty="0"/>
+              <a:t>16.                                   S*← </a:t>
+            </a:r>
+            <a:r>
+              <a:rPr lang="en-US" dirty="0" smtClean="0"/>
+              <a:t>Sik</a:t>
+            </a:r>
+            <a:endParaRPr lang="en-US" dirty="0"/>
+          </a:p>
+          <a:p>
+            <a:r>
+              <a:rPr lang="en-US" dirty="0"/>
+              <a:t>17.              If |S*-S*prev| &lt; </a:t>
+            </a:r>
+            <a:r>
+              <a:rPr lang="el-GR" dirty="0" smtClean="0"/>
+              <a:t>η</a:t>
+            </a:r>
+            <a:endParaRPr lang="el-GR" dirty="0"/>
+          </a:p>
+          <a:p>
+            <a:r>
+              <a:rPr lang="el-GR" dirty="0"/>
+              <a:t>18.             α=1/(</a:t>
+            </a:r>
+            <a:r>
+              <a:rPr lang="en-US" dirty="0"/>
+              <a:t>C-1</a:t>
+            </a:r>
+            <a:r>
+              <a:rPr lang="en-US" dirty="0" smtClean="0"/>
+              <a:t>)</a:t>
+            </a:r>
+            <a:endParaRPr lang="en-US" dirty="0"/>
+          </a:p>
+          <a:p>
+            <a:r>
+              <a:rPr lang="en-US" dirty="0"/>
+              <a:t>19.                    If S* &gt; </a:t>
+            </a:r>
+            <a:r>
+              <a:rPr lang="el-GR" dirty="0"/>
+              <a:t>α                //</a:t>
+            </a:r>
+            <a:r>
+              <a:rPr lang="en-US" dirty="0"/>
+              <a:t>merge the two most similar </a:t>
+            </a:r>
+            <a:r>
+              <a:rPr lang="en-US" dirty="0" smtClean="0"/>
+              <a:t>clusters</a:t>
+            </a:r>
+            <a:endParaRPr lang="en-US" dirty="0"/>
+          </a:p>
+          <a:p>
+            <a:r>
+              <a:rPr lang="en-US" dirty="0"/>
+              <a:t>20.                          For j= i+1 to </a:t>
+            </a:r>
+            <a:r>
+              <a:rPr lang="en-US" dirty="0" smtClean="0"/>
+              <a:t>N</a:t>
+            </a:r>
+            <a:endParaRPr lang="en-US" dirty="0"/>
+          </a:p>
+          <a:p>
+            <a:r>
+              <a:rPr lang="en-US" dirty="0"/>
+              <a:t>21.                                 uij← uij+ </a:t>
+            </a:r>
+            <a:r>
+              <a:rPr lang="en-US" dirty="0" smtClean="0"/>
+              <a:t>ukj</a:t>
+            </a:r>
+            <a:endParaRPr lang="en-US" dirty="0"/>
+          </a:p>
+          <a:p>
+            <a:r>
+              <a:rPr lang="en-US" dirty="0"/>
+              <a:t>22.                          Remove the kth row from </a:t>
+            </a:r>
+            <a:r>
+              <a:rPr lang="en-US" dirty="0" smtClean="0"/>
+              <a:t>U</a:t>
+            </a:r>
+            <a:endParaRPr lang="en-US" dirty="0"/>
+          </a:p>
+          <a:p>
+            <a:r>
+              <a:rPr lang="en-US" dirty="0"/>
+              <a:t>23.                 C← </a:t>
+            </a:r>
+            <a:r>
+              <a:rPr lang="en-US" dirty="0" smtClean="0"/>
+              <a:t>C-1</a:t>
+            </a:r>
+            <a:endParaRPr lang="en-US" dirty="0"/>
+          </a:p>
+          <a:p>
+            <a:r>
+              <a:rPr lang="en-US" dirty="0"/>
+              <a:t>24.            </a:t>
+            </a:r>
+            <a:r>
+              <a:rPr lang="en-US" dirty="0" smtClean="0"/>
+              <a:t>       Else</a:t>
+            </a:r>
+            <a:endParaRPr lang="en-US" dirty="0"/>
+          </a:p>
+          <a:p>
+            <a:r>
+              <a:rPr lang="en-US" dirty="0"/>
+              <a:t>25.                         </a:t>
+            </a:r>
+            <a:r>
+              <a:rPr lang="el-GR" dirty="0"/>
+              <a:t>β←</a:t>
+            </a:r>
+            <a:r>
+              <a:rPr lang="en-US" dirty="0"/>
+              <a:t>min(C, </a:t>
+            </a:r>
+            <a:r>
+              <a:rPr lang="el-GR" dirty="0"/>
+              <a:t>β+1</a:t>
+            </a:r>
+            <a:r>
+              <a:rPr lang="el-GR" dirty="0" smtClean="0"/>
+              <a:t>)</a:t>
+            </a:r>
+            <a:endParaRPr lang="el-GR" dirty="0"/>
+          </a:p>
+          <a:p>
+            <a:r>
+              <a:rPr lang="el-GR" dirty="0"/>
+              <a:t>26.       </a:t>
+            </a:r>
+            <a:r>
+              <a:rPr lang="en-US" dirty="0"/>
+              <a:t>Until |𝑼(𝑡) − 𝑼(𝑡−𝟏)| &gt; </a:t>
+            </a:r>
+            <a:r>
+              <a:rPr lang="en-US" dirty="0" smtClean="0"/>
+              <a:t>𝜀</a:t>
+            </a:r>
+            <a:endParaRPr lang="en-US" dirty="0"/>
+          </a:p>
+          <a:p>
+            <a:r>
+              <a:rPr lang="en-US" dirty="0"/>
+              <a:t>27.      Return the partition matrix and the volume prototypes of the final C Clusters</a:t>
+            </a:r>
+            <a:endParaRPr lang="fa-IR" dirty="0"/>
+          </a:p>
+        </p:txBody>
+      </p:sp>
+    </p:spTree>
+    <p:extLst>
+      <p:ext uri="{BB962C8B-B14F-4D97-AF65-F5344CB8AC3E}">
+        <p14:creationId xmlns:p14="http://schemas.microsoft.com/office/powerpoint/2010/main" val="623555585"/>
+      </p:ext>
+    </p:extLst>
+  </p:cSld>
+  <p:clrMapOvr>
+    <a:masterClrMapping/>
+  </p:clrMapOvr>
+</p:sld>
+</file>
+
+<file path=ppt/slides/slide23.xml><?xml version="1.0" encoding="utf-8"?>
+<p:sld xmlns:a="http://schemas.openxmlformats.org/drawingml/2006/main" xmlns:r="http://schemas.openxmlformats.org/officeDocument/2006/relationships" xmlns:p="http://schemas.openxmlformats.org/presentationml/2006/main" showMasterSp="0">
+  <p:cSld>
+    <p:spTree>
+      <p:nvGrpSpPr>
+        <p:cNvPr id="1" name=""/>
+        <p:cNvGrpSpPr/>
+        <p:nvPr/>
+      </p:nvGrpSpPr>
+      <p:grpSpPr>
+        <a:xfrm>
+          <a:off x="0" y="0"/>
+          <a:ext cx="0" cy="0"/>
+          <a:chOff x="0" y="0"/>
+          <a:chExt cx="0" cy="0"/>
+        </a:xfrm>
+      </p:grpSpPr>
+      <p:sp>
+        <p:nvSpPr>
+          <p:cNvPr id="3" name="Content Placeholder 2"/>
+          <p:cNvSpPr>
+            <a:spLocks noGrp="1"/>
+          </p:cNvSpPr>
+          <p:nvPr>
+            <p:ph idx="4294967295"/>
+          </p:nvPr>
+        </p:nvSpPr>
+        <p:spPr>
+          <a:xfrm>
+            <a:off x="0" y="0"/>
+            <a:ext cx="12192000" cy="6858001"/>
+          </a:xfrm>
+        </p:spPr>
+        <p:txBody>
+          <a:bodyPr numCol="1" anchor="t">
+            <a:noAutofit/>
+          </a:bodyPr>
+          <a:lstStyle/>
+          <a:p>
+            <a:r>
+              <a:rPr lang="en-US" sz="2000" dirty="0" smtClean="0"/>
+              <a:t>Algorithm</a:t>
+            </a:r>
+            <a:r>
+              <a:rPr lang="en-US" sz="2000" dirty="0"/>
+              <a:t>: EFCM                                                                               </a:t>
+            </a:r>
+          </a:p>
+          <a:p>
+            <a:r>
+              <a:rPr lang="en-US" sz="2000" dirty="0"/>
+              <a:t>1.        </a:t>
+            </a:r>
+            <a:r>
+              <a:rPr lang="en-US" sz="2000" dirty="0" smtClean="0"/>
+              <a:t>Set </a:t>
+            </a:r>
+            <a:r>
+              <a:rPr lang="en-US" sz="2000" dirty="0"/>
+              <a:t>m, </a:t>
+            </a:r>
+            <a:r>
+              <a:rPr lang="el-GR" sz="2000" dirty="0"/>
+              <a:t>ε, η, </a:t>
+            </a:r>
+            <a:r>
+              <a:rPr lang="en-US" sz="2000" dirty="0"/>
+              <a:t>the initial number of clusters C(0</a:t>
+            </a:r>
+            <a:r>
+              <a:rPr lang="en-US" sz="2000" dirty="0" smtClean="0"/>
+              <a:t>)</a:t>
+            </a:r>
+            <a:endParaRPr lang="en-US" sz="2000" dirty="0"/>
+          </a:p>
+          <a:p>
+            <a:r>
+              <a:rPr lang="en-US" sz="2000" dirty="0"/>
+              <a:t>2.        </a:t>
+            </a:r>
+            <a:r>
+              <a:rPr lang="el-GR" sz="2000" dirty="0"/>
+              <a:t>β←1, </a:t>
+            </a:r>
+            <a:r>
+              <a:rPr lang="en-US" sz="2000" dirty="0"/>
+              <a:t>S* ←0, S*prev←</a:t>
+            </a:r>
+            <a:r>
+              <a:rPr lang="en-US" sz="2000" dirty="0" smtClean="0"/>
+              <a:t>1</a:t>
+            </a:r>
+            <a:endParaRPr lang="en-US" sz="2000" dirty="0"/>
+          </a:p>
+          <a:p>
+            <a:r>
+              <a:rPr lang="en-US" sz="2000" dirty="0"/>
+              <a:t>3.        Initialize randomly the partition matrix U and the centers </a:t>
+            </a:r>
+            <a:r>
+              <a:rPr lang="en-US" sz="2000" dirty="0" smtClean="0"/>
+              <a:t>vi</a:t>
+            </a:r>
+            <a:endParaRPr lang="en-US" sz="2000" dirty="0"/>
+          </a:p>
+          <a:p>
+            <a:r>
+              <a:rPr lang="en-US" sz="2000" dirty="0" smtClean="0"/>
+              <a:t>4</a:t>
+            </a:r>
+            <a:r>
+              <a:rPr lang="en-US" sz="2000" dirty="0"/>
+              <a:t>.        Repeat </a:t>
+            </a:r>
+            <a:endParaRPr lang="fa-IR" sz="2000" dirty="0" smtClean="0"/>
+          </a:p>
+          <a:p>
+            <a:r>
+              <a:rPr lang="en-US" sz="2000" dirty="0"/>
+              <a:t>5. </a:t>
+            </a:r>
+            <a:r>
+              <a:rPr lang="fa-IR" sz="2000" dirty="0" smtClean="0"/>
+              <a:t>		    </a:t>
+            </a:r>
+            <a:r>
+              <a:rPr lang="en-US" sz="2000" dirty="0" smtClean="0"/>
+              <a:t>For i </a:t>
+            </a:r>
+            <a:r>
+              <a:rPr lang="en-US" sz="2000" dirty="0"/>
+              <a:t>= 1 to C         // calculate centers and radius of </a:t>
+            </a:r>
+            <a:r>
+              <a:rPr lang="en-US" sz="2000" dirty="0" smtClean="0"/>
+              <a:t>clusters</a:t>
+            </a:r>
+            <a:endParaRPr lang="en-US" sz="2000" dirty="0"/>
+          </a:p>
+          <a:p>
+            <a:r>
+              <a:rPr lang="en-US" sz="2000" dirty="0"/>
+              <a:t>6.                        Calculate the center of the ith cluster vi by (4</a:t>
+            </a:r>
+            <a:r>
+              <a:rPr lang="en-US" sz="2000" dirty="0" smtClean="0"/>
+              <a:t>)</a:t>
+            </a:r>
+            <a:endParaRPr lang="en-US" sz="2000" dirty="0"/>
+          </a:p>
+          <a:p>
+            <a:r>
+              <a:rPr lang="en-US" sz="2000" dirty="0"/>
+              <a:t>7.                        Calculate the radius of the ith cluster ri by (12</a:t>
+            </a:r>
+            <a:r>
+              <a:rPr lang="en-US" sz="2000" dirty="0" smtClean="0"/>
+              <a:t>)</a:t>
+            </a:r>
+            <a:endParaRPr lang="en-US" sz="2000" dirty="0"/>
+          </a:p>
+          <a:p>
+            <a:r>
+              <a:rPr lang="en-US" sz="2000" dirty="0"/>
+              <a:t>8.                          ri← ri ∙ </a:t>
+            </a:r>
+            <a:r>
+              <a:rPr lang="el-GR" sz="2000" dirty="0"/>
+              <a:t>β/</a:t>
+            </a:r>
+            <a:r>
+              <a:rPr lang="en-US" sz="2000" dirty="0"/>
+              <a:t>C     //enlarge the radius of the ith </a:t>
+            </a:r>
+            <a:r>
+              <a:rPr lang="en-US" sz="2000" dirty="0" smtClean="0"/>
+              <a:t>cluster</a:t>
+            </a:r>
+            <a:endParaRPr lang="en-US" sz="2000" dirty="0"/>
+          </a:p>
+          <a:p>
+            <a:r>
+              <a:rPr lang="en-US" sz="2000" dirty="0"/>
+              <a:t>9.      </a:t>
+            </a:r>
+            <a:r>
+              <a:rPr lang="en-US" sz="2000" dirty="0" smtClean="0"/>
+              <a:t>          </a:t>
+            </a:r>
+            <a:r>
+              <a:rPr lang="en-US" sz="2000" dirty="0"/>
+              <a:t>For i = 1 to C        // calculate new partition </a:t>
+            </a:r>
+            <a:r>
+              <a:rPr lang="en-US" sz="2000" dirty="0" smtClean="0"/>
+              <a:t>matrix</a:t>
+            </a:r>
+            <a:endParaRPr lang="en-US" sz="2000" dirty="0"/>
+          </a:p>
+          <a:p>
+            <a:r>
+              <a:rPr lang="en-US" sz="2000" dirty="0"/>
+              <a:t>10.                        For j = 1 to </a:t>
+            </a:r>
+            <a:r>
+              <a:rPr lang="en-US" sz="2000" dirty="0" smtClean="0"/>
+              <a:t>N</a:t>
+            </a:r>
+            <a:endParaRPr lang="en-US" sz="2000" dirty="0"/>
+          </a:p>
+          <a:p>
+            <a:r>
+              <a:rPr lang="en-US" sz="2000" dirty="0"/>
+              <a:t>11.                            Calculate the membership degree component uij by (14</a:t>
+            </a:r>
+            <a:r>
+              <a:rPr lang="en-US" sz="2000" dirty="0" smtClean="0"/>
+              <a:t>)</a:t>
+            </a:r>
+            <a:endParaRPr lang="en-US" sz="2000" dirty="0"/>
+          </a:p>
+          <a:p>
+            <a:r>
+              <a:rPr lang="en-US" sz="2000" dirty="0"/>
+              <a:t>12.              For i = 1 to C-1       //Find the two most similar </a:t>
+            </a:r>
+            <a:r>
+              <a:rPr lang="en-US" sz="2000" dirty="0" smtClean="0"/>
+              <a:t>clusters</a:t>
+            </a:r>
+            <a:endParaRPr lang="en-US" sz="2000" dirty="0"/>
+          </a:p>
+        </p:txBody>
+      </p:sp>
+    </p:spTree>
+    <p:extLst>
+      <p:ext uri="{BB962C8B-B14F-4D97-AF65-F5344CB8AC3E}">
+        <p14:creationId xmlns:p14="http://schemas.microsoft.com/office/powerpoint/2010/main" val="2928223491"/>
+      </p:ext>
+    </p:extLst>
+  </p:cSld>
+  <p:clrMapOvr>
+    <a:masterClrMapping/>
+  </p:clrMapOvr>
+</p:sld>
+</file>
+
+<file path=ppt/slides/slide24.xml><?xml version="1.0" encoding="utf-8"?>
+<p:sld xmlns:a="http://schemas.openxmlformats.org/drawingml/2006/main" xmlns:r="http://schemas.openxmlformats.org/officeDocument/2006/relationships" xmlns:p="http://schemas.openxmlformats.org/presentationml/2006/main" showMasterSp="0">
+  <p:cSld>
+    <p:spTree>
+      <p:nvGrpSpPr>
+        <p:cNvPr id="1" name=""/>
+        <p:cNvGrpSpPr/>
+        <p:nvPr/>
+      </p:nvGrpSpPr>
+      <p:grpSpPr>
+        <a:xfrm>
+          <a:off x="0" y="0"/>
+          <a:ext cx="0" cy="0"/>
+          <a:chOff x="0" y="0"/>
+          <a:chExt cx="0" cy="0"/>
+        </a:xfrm>
+      </p:grpSpPr>
+      <p:sp>
+        <p:nvSpPr>
+          <p:cNvPr id="3" name="Content Placeholder 2"/>
+          <p:cNvSpPr>
+            <a:spLocks noGrp="1"/>
+          </p:cNvSpPr>
+          <p:nvPr>
+            <p:ph idx="4294967295"/>
+          </p:nvPr>
+        </p:nvSpPr>
+        <p:spPr>
+          <a:xfrm>
+            <a:off x="0" y="0"/>
+            <a:ext cx="12192000" cy="6858001"/>
+          </a:xfrm>
+        </p:spPr>
+        <p:txBody>
+          <a:bodyPr numCol="1" anchor="t">
+            <a:noAutofit/>
+          </a:bodyPr>
+          <a:lstStyle/>
+          <a:p>
+            <a:r>
+              <a:rPr lang="en-US" sz="1800" dirty="0"/>
+              <a:t>13.                       For k = i+1 to C</a:t>
+            </a:r>
+          </a:p>
+          <a:p>
+            <a:r>
+              <a:rPr lang="en-US" sz="1800" dirty="0"/>
+              <a:t>14.                            Calculate Sik by (15)</a:t>
+            </a:r>
+          </a:p>
+          <a:p>
+            <a:r>
+              <a:rPr lang="en-US" sz="1800" dirty="0"/>
+              <a:t>15.                            If Sik &gt; S*</a:t>
+            </a:r>
+          </a:p>
+          <a:p>
+            <a:r>
+              <a:rPr lang="en-US" sz="1800" dirty="0"/>
+              <a:t>16.                                   S*← Sik</a:t>
+            </a:r>
+          </a:p>
+          <a:p>
+            <a:r>
+              <a:rPr lang="en-US" sz="1800" dirty="0"/>
+              <a:t>17.              If |S*-S*prev| &lt; </a:t>
+            </a:r>
+            <a:r>
+              <a:rPr lang="el-GR" sz="1800" dirty="0"/>
+              <a:t>η</a:t>
+            </a:r>
+          </a:p>
+          <a:p>
+            <a:r>
+              <a:rPr lang="el-GR" sz="1800" dirty="0"/>
+              <a:t>18.             α=1/(</a:t>
+            </a:r>
+            <a:r>
+              <a:rPr lang="en-US" sz="1800" dirty="0"/>
+              <a:t>C-1)</a:t>
+            </a:r>
+          </a:p>
+          <a:p>
+            <a:r>
+              <a:rPr lang="en-US" sz="1800" dirty="0"/>
+              <a:t>19.                    If S* &gt; </a:t>
+            </a:r>
+            <a:r>
+              <a:rPr lang="el-GR" sz="1800" dirty="0"/>
+              <a:t>α                //</a:t>
+            </a:r>
+            <a:r>
+              <a:rPr lang="en-US" sz="1800" dirty="0"/>
+              <a:t>merge the two most similar clusters</a:t>
+            </a:r>
+          </a:p>
+          <a:p>
+            <a:r>
+              <a:rPr lang="en-US" sz="1800" dirty="0"/>
+              <a:t>20.                          For j= i+1 to N</a:t>
+            </a:r>
+          </a:p>
+          <a:p>
+            <a:r>
+              <a:rPr lang="en-US" sz="1800" dirty="0"/>
+              <a:t>21.                                 uij← uij+ ukj</a:t>
+            </a:r>
+          </a:p>
+          <a:p>
+            <a:r>
+              <a:rPr lang="en-US" sz="1800" dirty="0"/>
+              <a:t>22.                          Remove the kth row from U</a:t>
+            </a:r>
+          </a:p>
+          <a:p>
+            <a:r>
+              <a:rPr lang="en-US" sz="1800" dirty="0"/>
+              <a:t>23.                 C← C-1</a:t>
+            </a:r>
+          </a:p>
+          <a:p>
+            <a:r>
+              <a:rPr lang="en-US" sz="1800" dirty="0"/>
+              <a:t>24.                   Else</a:t>
+            </a:r>
+          </a:p>
+          <a:p>
+            <a:r>
+              <a:rPr lang="en-US" sz="1800" dirty="0"/>
+              <a:t>25.                         </a:t>
+            </a:r>
+            <a:r>
+              <a:rPr lang="el-GR" sz="1800" dirty="0"/>
+              <a:t>β←</a:t>
+            </a:r>
+            <a:r>
+              <a:rPr lang="en-US" sz="1800" dirty="0"/>
+              <a:t>min(C, </a:t>
+            </a:r>
+            <a:r>
+              <a:rPr lang="el-GR" sz="1800" dirty="0"/>
+              <a:t>β+1)</a:t>
+            </a:r>
+          </a:p>
+          <a:p>
+            <a:r>
+              <a:rPr lang="el-GR" sz="1800" dirty="0"/>
+              <a:t>26.       </a:t>
+            </a:r>
+            <a:r>
+              <a:rPr lang="en-US" sz="1800" dirty="0"/>
+              <a:t>Until |𝑼(𝑡) − 𝑼(𝑡−𝟏)| &gt; 𝜀</a:t>
+            </a:r>
+          </a:p>
+          <a:p>
+            <a:r>
+              <a:rPr lang="en-US" sz="1800" dirty="0"/>
+              <a:t>27.      Return the partition matrix and the volume prototypes of the final C Clusters</a:t>
+            </a:r>
+            <a:endParaRPr lang="fa-IR" sz="1800" dirty="0"/>
+          </a:p>
+        </p:txBody>
+      </p:sp>
+    </p:spTree>
+    <p:extLst>
+      <p:ext uri="{BB962C8B-B14F-4D97-AF65-F5344CB8AC3E}">
+        <p14:creationId xmlns:p14="http://schemas.microsoft.com/office/powerpoint/2010/main" val="1230200807"/>
+      </p:ext>
+    </p:extLst>
+  </p:cSld>
+  <p:clrMapOvr>
+    <a:masterClrMapping/>
+  </p:clrMapOvr>
+</p:sld>
+</file>
+
+<file path=ppt/slides/slide25.xml><?xml version="1.0" encoding="utf-8"?>
+<p:sld xmlns:a="http://schemas.openxmlformats.org/drawingml/2006/main" xmlns:r="http://schemas.openxmlformats.org/officeDocument/2006/relationships" xmlns:p="http://schemas.openxmlformats.org/presentationml/2006/main" showMasterSp="0">
+  <p:cSld>
+    <p:spTree>
+      <p:nvGrpSpPr>
+        <p:cNvPr id="1" name=""/>
+        <p:cNvGrpSpPr/>
+        <p:nvPr/>
+      </p:nvGrpSpPr>
+      <p:grpSpPr>
+        <a:xfrm>
+          <a:off x="0" y="0"/>
+          <a:ext cx="0" cy="0"/>
+          <a:chOff x="0" y="0"/>
+          <a:chExt cx="0" cy="0"/>
+        </a:xfrm>
+      </p:grpSpPr>
+      <p:sp>
+        <p:nvSpPr>
+          <p:cNvPr id="3" name="Content Placeholder 2"/>
+          <p:cNvSpPr>
+            <a:spLocks noGrp="1"/>
+          </p:cNvSpPr>
+          <p:nvPr>
+            <p:ph idx="4294967295"/>
+          </p:nvPr>
+        </p:nvSpPr>
+        <p:spPr>
+          <a:xfrm>
+            <a:off x="352696" y="0"/>
+            <a:ext cx="11447417" cy="6858001"/>
+          </a:xfrm>
+        </p:spPr>
+        <p:txBody>
+          <a:bodyPr numCol="1" anchor="ctr">
+            <a:noAutofit/>
+          </a:bodyPr>
+          <a:lstStyle/>
+          <a:p>
+            <a:pPr algn="r" rtl="1"/>
+            <a:r>
+              <a:rPr lang="fa-IR" sz="3200" dirty="0"/>
+              <a:t>الگوریتم </a:t>
+            </a:r>
+            <a:r>
+              <a:rPr lang="en-US" sz="3200" dirty="0"/>
+              <a:t>FS-EFCM: </a:t>
+            </a:r>
+            <a:r>
+              <a:rPr lang="fa-IR" sz="3200" dirty="0"/>
+              <a:t>پیشنهاد </a:t>
+            </a:r>
+            <a:r>
+              <a:rPr lang="fa-IR" sz="3200" dirty="0" smtClean="0"/>
+              <a:t>ما:</a:t>
+            </a:r>
+          </a:p>
+          <a:p>
+            <a:pPr algn="just" rtl="1"/>
+            <a:r>
+              <a:rPr lang="fa-IR" sz="2400" dirty="0"/>
+              <a:t>چارچوب پیشنهادی پارتیشن بندی داده ها را با یک استراتژی نیمه نظارت انجام می دهد که به یک معاوضه بین ارزیابی مبتنی بر </a:t>
+            </a:r>
+            <a:r>
+              <a:rPr lang="fa-IR" sz="2400" dirty="0" smtClean="0"/>
+              <a:t>تجربه </a:t>
+            </a:r>
+            <a:r>
+              <a:rPr lang="fa-IR" sz="2400" dirty="0"/>
+              <a:t>در مورد نحوه مرتبط بودن ویژگی های انتخاب شده در حوزه فعلی مورد علاقه و میزان بروز آن ویژگی ها در تشکیل خوشه ایجاد می شود. با استفاده از الگوریتم خوشه بندی </a:t>
+            </a:r>
+            <a:r>
+              <a:rPr lang="en-US" sz="2400" dirty="0"/>
+              <a:t>FS-EFCM </a:t>
+            </a:r>
+            <a:r>
+              <a:rPr lang="fa-IR" sz="2400" dirty="0"/>
+              <a:t>از مزایای عملکرد شناخته شده </a:t>
+            </a:r>
+            <a:r>
+              <a:rPr lang="en-US" sz="2400" dirty="0"/>
+              <a:t>EFCM </a:t>
+            </a:r>
+            <a:r>
+              <a:rPr lang="fa-IR" sz="2400" dirty="0"/>
+              <a:t>بهره برداری می کند و دو شاخص فازی مرتبط با توصیف ویژگی را معرفی می کند: ارتباط ویژگی (</a:t>
+            </a:r>
+            <a:r>
+              <a:rPr lang="en-US" sz="2400" dirty="0"/>
+              <a:t>FR)، </a:t>
+            </a:r>
+            <a:r>
+              <a:rPr lang="fa-IR" sz="2400" dirty="0"/>
+              <a:t>که نشان دهنده درجه ارتباط ارزیابی شده توسط متخصصان انسانی است، و میزان بروز ویژگی </a:t>
+            </a:r>
+            <a:r>
+              <a:rPr lang="fa-IR" sz="2400" dirty="0" smtClean="0"/>
+              <a:t>(</a:t>
+            </a:r>
+            <a:r>
+              <a:rPr lang="en-US" sz="2400" dirty="0" smtClean="0"/>
+              <a:t>FI</a:t>
+            </a:r>
+            <a:r>
+              <a:rPr lang="fa-IR" sz="2400" dirty="0" smtClean="0"/>
+              <a:t>)</a:t>
+            </a:r>
+            <a:r>
+              <a:rPr lang="en-US" sz="2400" dirty="0" smtClean="0"/>
+              <a:t> </a:t>
+            </a:r>
+            <a:r>
+              <a:rPr lang="fa-IR" sz="2400" dirty="0"/>
+              <a:t>که چگونگی این ویژگی را توصیف می کند. تاثیر بر تشکیل خوشه مرحله اول الگوریتم پیشنهادی شامل یک ارزیابی ارتباط اولیه ویژگی‌ها مبتنی بر </a:t>
+            </a:r>
+            <a:r>
+              <a:rPr lang="fa-IR" sz="2400" dirty="0" smtClean="0"/>
+              <a:t>تجربه </a:t>
+            </a:r>
+            <a:r>
+              <a:rPr lang="fa-IR" sz="2400" dirty="0"/>
+              <a:t>است. کارشناسان یک امتیاز به هر ویژگی اختصاص می‌دهند که به شکل خلاصه ترجمه شده است تا به عنوان درجه عضویت در مجموعه فازی </a:t>
+            </a:r>
+            <a:r>
+              <a:rPr lang="en-US" sz="2400" dirty="0"/>
+              <a:t>FR </a:t>
+            </a:r>
+            <a:r>
+              <a:rPr lang="fa-IR" sz="2400" dirty="0"/>
+              <a:t>تفسیر شود. در طول اجرای </a:t>
+            </a:r>
+            <a:r>
+              <a:rPr lang="en-US" sz="2400" dirty="0"/>
+              <a:t>FS-EFCM، </a:t>
+            </a:r>
+            <a:r>
+              <a:rPr lang="fa-IR" sz="2400" dirty="0"/>
+              <a:t>الگوریتم درجه وقوع ویژگی‌ها را در خوشه محاسبه می‌کند و درجه عضویت در مجموعه فازی </a:t>
+            </a:r>
+            <a:r>
+              <a:rPr lang="en-US" sz="2400" dirty="0"/>
+              <a:t>FI </a:t>
+            </a:r>
+            <a:r>
+              <a:rPr lang="fa-IR" sz="2400" dirty="0"/>
+              <a:t>را توصیف می‌کند. در هر تکرار، ویژگی هایی که مقادیر فازی </a:t>
+            </a:r>
+            <a:r>
+              <a:rPr lang="en-US" sz="2400" dirty="0"/>
+              <a:t>FR </a:t>
+            </a:r>
+            <a:r>
+              <a:rPr lang="fa-IR" sz="2400" dirty="0"/>
+              <a:t>و </a:t>
+            </a:r>
+            <a:r>
+              <a:rPr lang="en-US" sz="2400" dirty="0"/>
+              <a:t>FI </a:t>
+            </a:r>
+            <a:r>
+              <a:rPr lang="fa-IR" sz="2400" dirty="0"/>
+              <a:t>آنها بزرگتر یا مساوی یک آستانه از پیش تعریف شده است، انتخاب می شوند. مقادیر </a:t>
+            </a:r>
+            <a:r>
+              <a:rPr lang="en-US" sz="2400" dirty="0"/>
+              <a:t>FR </a:t>
+            </a:r>
+            <a:r>
+              <a:rPr lang="fa-IR" sz="2400" dirty="0"/>
+              <a:t>و </a:t>
+            </a:r>
+            <a:r>
+              <a:rPr lang="en-US" sz="2400" dirty="0"/>
+              <a:t>FI </a:t>
+            </a:r>
+            <a:r>
+              <a:rPr lang="fa-IR" sz="2400" dirty="0"/>
+              <a:t>با توجه به دو شاخص فازی، که توسط مجموعه‌های فازی سیگما بر روی جهانی از یک گفتمان با بازه‌ای از خط واقعی تعریف می‌شوند، فازی می‌شوند</a:t>
+            </a:r>
+            <a:r>
+              <a:rPr lang="fa-IR" sz="2400" dirty="0" smtClean="0"/>
+              <a:t>.</a:t>
+            </a:r>
+          </a:p>
+          <a:p>
+            <a:pPr algn="r" rtl="1"/>
+            <a:endParaRPr lang="fa-IR" sz="1800" dirty="0"/>
+          </a:p>
+        </p:txBody>
+      </p:sp>
+    </p:spTree>
+    <p:extLst>
+      <p:ext uri="{BB962C8B-B14F-4D97-AF65-F5344CB8AC3E}">
+        <p14:creationId xmlns:p14="http://schemas.microsoft.com/office/powerpoint/2010/main" val="3763619465"/>
+      </p:ext>
+    </p:extLst>
+  </p:cSld>
+  <p:clrMapOvr>
+    <a:masterClrMapping/>
+  </p:clrMapOvr>
+</p:sld>
+</file>
+
+<file path=ppt/slides/slide26.xml><?xml version="1.0" encoding="utf-8"?>
+<p:sld xmlns:a="http://schemas.openxmlformats.org/drawingml/2006/main" xmlns:r="http://schemas.openxmlformats.org/officeDocument/2006/relationships" xmlns:p="http://schemas.openxmlformats.org/presentationml/2006/main" showMasterSp="0">
+  <p:cSld>
+    <p:spTree>
+      <p:nvGrpSpPr>
+        <p:cNvPr id="1" name=""/>
+        <p:cNvGrpSpPr/>
+        <p:nvPr/>
+      </p:nvGrpSpPr>
+      <p:grpSpPr>
+        <a:xfrm>
+          <a:off x="0" y="0"/>
+          <a:ext cx="0" cy="0"/>
+          <a:chOff x="0" y="0"/>
+          <a:chExt cx="0" cy="0"/>
+        </a:xfrm>
+      </p:grpSpPr>
+      <p:sp>
+        <p:nvSpPr>
+          <p:cNvPr id="3" name="Content Placeholder 2"/>
+          <p:cNvSpPr>
+            <a:spLocks noGrp="1"/>
+          </p:cNvSpPr>
+          <p:nvPr>
+            <p:ph idx="4294967295"/>
+          </p:nvPr>
+        </p:nvSpPr>
+        <p:spPr>
+          <a:xfrm>
+            <a:off x="352696" y="0"/>
+            <a:ext cx="11447417" cy="6858001"/>
+          </a:xfrm>
+        </p:spPr>
+        <p:txBody>
+          <a:bodyPr numCol="1" anchor="ctr">
+            <a:noAutofit/>
+          </a:bodyPr>
+          <a:lstStyle/>
+          <a:p>
+            <a:pPr algn="r" rtl="1"/>
+            <a:r>
+              <a:rPr lang="fa-IR" sz="3200" dirty="0"/>
+              <a:t>شاخص های فازی برای ارزیابی ویژگی:</a:t>
+            </a:r>
+            <a:endParaRPr lang="fa-IR" sz="3200" dirty="0" smtClean="0"/>
+          </a:p>
+          <a:p>
+            <a:pPr algn="just" rtl="1"/>
+            <a:r>
+              <a:rPr lang="fa-IR" sz="2400" dirty="0"/>
+              <a:t>همانطور که گفته شد، </a:t>
+            </a:r>
+            <a:r>
+              <a:rPr lang="en-US" sz="2400" dirty="0"/>
+              <a:t>FS-EFCM </a:t>
+            </a:r>
+            <a:r>
+              <a:rPr lang="fa-IR" sz="2400" dirty="0"/>
+              <a:t>توسعه ای از الگوریتم </a:t>
+            </a:r>
+            <a:r>
+              <a:rPr lang="en-US" sz="2400" dirty="0"/>
+              <a:t>EFCM </a:t>
+            </a:r>
+            <a:r>
+              <a:rPr lang="fa-IR" sz="2400" dirty="0"/>
+              <a:t>است که در ابتدا بر روی کل مجموعه ویژگی های ورودی کار می کند</a:t>
+            </a:r>
+            <a:r>
+              <a:rPr lang="fa-IR" sz="2400" dirty="0" smtClean="0"/>
+              <a:t>.</a:t>
+            </a:r>
+          </a:p>
+          <a:p>
+            <a:pPr algn="just" rtl="1"/>
+            <a:r>
+              <a:rPr lang="fa-IR" sz="1800" dirty="0"/>
+              <a:t>در هر تکرار، فرآیند برخی از ویژگی‌هایی را انتخاب می‌کند که بسته به ارزیابی دو شاخص فازی، از یک سو، اهمیت ویژگی تعریف شده توسط </a:t>
+            </a:r>
+            <a:r>
+              <a:rPr lang="fa-IR" sz="1800" dirty="0" smtClean="0"/>
+              <a:t>تجربه </a:t>
+            </a:r>
+            <a:r>
+              <a:rPr lang="fa-IR" sz="1800" dirty="0"/>
+              <a:t>را پشتیبانی می‌کنند و از سوی دیگر، ساختار </a:t>
+            </a:r>
+            <a:r>
+              <a:rPr lang="fa-IR" sz="1800" dirty="0" smtClean="0"/>
+              <a:t>خوشه‌بندی، که </a:t>
+            </a:r>
+            <a:r>
+              <a:rPr lang="fa-IR" sz="1800" dirty="0"/>
+              <a:t>نشان می دهد یک ویژگی چقدر بر خوشه شناسایی شده تأثیر می گذارد.</a:t>
+            </a:r>
+          </a:p>
+          <a:p>
+            <a:pPr algn="just" rtl="1"/>
+            <a:r>
+              <a:rPr lang="fa-IR" sz="1800" dirty="0"/>
+              <a:t>به طور دقیق تر، دو شاخص فازی به شرح زیر توصیف می </a:t>
+            </a:r>
+            <a:r>
+              <a:rPr lang="fa-IR" sz="1800" dirty="0" smtClean="0"/>
+              <a:t>شوند:</a:t>
+            </a:r>
+          </a:p>
+          <a:p>
+            <a:pPr algn="just" rtl="1">
+              <a:buFont typeface="Wingdings" panose="05000000000000000000" pitchFamily="2" charset="2"/>
+              <a:buChar char="q"/>
+            </a:pPr>
+            <a:r>
+              <a:rPr lang="fa-IR" sz="1800" dirty="0"/>
+              <a:t>ارتباط ویژگی (</a:t>
+            </a:r>
+            <a:r>
+              <a:rPr lang="en-US" sz="1800" dirty="0" smtClean="0"/>
+              <a:t>FR</a:t>
+            </a:r>
+            <a:r>
+              <a:rPr lang="fa-IR" sz="1800" dirty="0" smtClean="0"/>
+              <a:t>)</a:t>
+            </a:r>
+            <a:r>
+              <a:rPr lang="en-US" sz="1800" dirty="0" smtClean="0"/>
+              <a:t>:</a:t>
+            </a:r>
+            <a:endParaRPr lang="en-US" sz="1800" dirty="0"/>
+          </a:p>
+          <a:p>
+            <a:pPr algn="just" rtl="1">
+              <a:buFont typeface="Wingdings" panose="05000000000000000000" pitchFamily="2" charset="2"/>
+              <a:buChar char="q"/>
+            </a:pPr>
+            <a:r>
+              <a:rPr lang="fa-IR" sz="1800" dirty="0"/>
+              <a:t>اهمیت ویژگی را در دامنه ای که در آن تعریف شده است ارزیابی می کند.</a:t>
+            </a:r>
+          </a:p>
+          <a:p>
+            <a:pPr algn="just" rtl="1">
+              <a:buFont typeface="Wingdings" panose="05000000000000000000" pitchFamily="2" charset="2"/>
+              <a:buChar char="q"/>
+            </a:pPr>
+            <a:r>
+              <a:rPr lang="fa-IR" sz="1800" dirty="0"/>
+              <a:t>اغلب یک ارزیابی خارجی (ذهنی) است.</a:t>
+            </a:r>
+          </a:p>
+          <a:p>
+            <a:pPr algn="just" rtl="1">
+              <a:buFont typeface="Wingdings" panose="05000000000000000000" pitchFamily="2" charset="2"/>
+              <a:buChar char="q"/>
+            </a:pPr>
+            <a:r>
+              <a:rPr lang="fa-IR" sz="1800" dirty="0"/>
+              <a:t>به عنوان مثال، در حوزه تحلیل احساسات، یک ویژگی می تواند با یک کلمه زبان طبیعی، با معنای قوی در زمینه احساسی مرتبط باشد.</a:t>
+            </a:r>
+          </a:p>
+          <a:p>
+            <a:pPr algn="just" rtl="1">
+              <a:buFont typeface="Wingdings" panose="05000000000000000000" pitchFamily="2" charset="2"/>
+              <a:buChar char="q"/>
+            </a:pPr>
+            <a:r>
+              <a:rPr lang="fa-IR" sz="1800" dirty="0"/>
+              <a:t>به همین دلیل، ویژگی مربوطه می تواند ارزش مرتبط بالایی را در نظر بگیرد.</a:t>
+            </a:r>
+          </a:p>
+          <a:p>
+            <a:pPr algn="just" rtl="1">
+              <a:buFont typeface="Wingdings" panose="05000000000000000000" pitchFamily="2" charset="2"/>
+              <a:buChar char="q"/>
+            </a:pPr>
+            <a:r>
+              <a:rPr lang="fa-IR" sz="1800" dirty="0"/>
+              <a:t>یک مقدار </a:t>
+            </a:r>
+            <a:r>
+              <a:rPr lang="en-US" sz="1800" dirty="0"/>
+              <a:t>FR Sh </a:t>
+            </a:r>
+            <a:r>
+              <a:rPr lang="fa-IR" sz="1800" dirty="0"/>
+              <a:t>توسط انسان ها (به طور کلی، متخصصان حوزه) به یک ویژگی خاص </a:t>
+            </a:r>
+            <a:r>
+              <a:rPr lang="en-US" sz="1800" dirty="0"/>
+              <a:t>hth، </a:t>
+            </a:r>
+            <a:r>
+              <a:rPr lang="fa-IR" sz="1800" dirty="0"/>
+              <a:t>در محدوده ای از مقادیر، از حداقل </a:t>
+            </a:r>
+            <a:r>
+              <a:rPr lang="en-US" sz="1800" dirty="0"/>
+              <a:t>mFR </a:t>
+            </a:r>
+            <a:r>
+              <a:rPr lang="fa-IR" sz="1800" dirty="0"/>
+              <a:t>تا حداکثر مقدار </a:t>
+            </a:r>
+            <a:r>
+              <a:rPr lang="en-US" sz="1800" dirty="0"/>
+              <a:t>MFR </a:t>
+            </a:r>
+            <a:r>
+              <a:rPr lang="fa-IR" sz="1800" dirty="0"/>
+              <a:t>اختصاص داده می شود.</a:t>
+            </a:r>
+          </a:p>
+          <a:p>
+            <a:pPr algn="just" rtl="1">
+              <a:buFont typeface="Wingdings" panose="05000000000000000000" pitchFamily="2" charset="2"/>
+              <a:buChar char="q"/>
+            </a:pPr>
+            <a:r>
+              <a:rPr lang="fa-IR" sz="1800" dirty="0"/>
+              <a:t>این مقادیر مرزی، بسته به اینکه چگونه می‌خواهند محدوده ارتباط را بر اساس دامنه مورد علاقه توزیع کنند، توسط کاربر تعریف می‌شوند</a:t>
+            </a:r>
+            <a:r>
+              <a:rPr lang="fa-IR" sz="1800" dirty="0" smtClean="0"/>
+              <a:t>.</a:t>
+            </a:r>
+          </a:p>
+          <a:p>
+            <a:pPr algn="just" rtl="1">
+              <a:buFont typeface="Wingdings" panose="05000000000000000000" pitchFamily="2" charset="2"/>
+              <a:buChar char="q"/>
+            </a:pPr>
+            <a:r>
+              <a:rPr lang="fa-IR" sz="1800" dirty="0"/>
+              <a:t>یک فرآیند فازی سازی با ساخت یک مجموعه فازی سیگما به دست می آید که در آن درجه عضویت هر ویژگی به مجموعه فازی </a:t>
+            </a:r>
+            <a:r>
+              <a:rPr lang="en-US" sz="1800" dirty="0"/>
+              <a:t>FR </a:t>
+            </a:r>
+            <a:r>
+              <a:rPr lang="fa-IR" sz="1800" dirty="0"/>
+              <a:t>در محدوده [</a:t>
+            </a:r>
+            <a:r>
+              <a:rPr lang="en-US" sz="1800" dirty="0"/>
+              <a:t>mFR, MFR</a:t>
+            </a:r>
+            <a:r>
+              <a:rPr lang="fa-IR" sz="1800" dirty="0"/>
+              <a:t>]</a:t>
+            </a:r>
+            <a:r>
+              <a:rPr lang="en-US" sz="1800" dirty="0"/>
+              <a:t> </a:t>
+            </a:r>
+            <a:r>
+              <a:rPr lang="fa-IR" sz="1800" dirty="0"/>
+              <a:t>ارزیابی می شود.</a:t>
+            </a:r>
+            <a:endParaRPr lang="fa-IR" sz="1800" dirty="0"/>
+          </a:p>
+        </p:txBody>
+      </p:sp>
+    </p:spTree>
+    <p:extLst>
+      <p:ext uri="{BB962C8B-B14F-4D97-AF65-F5344CB8AC3E}">
+        <p14:creationId xmlns:p14="http://schemas.microsoft.com/office/powerpoint/2010/main" val="3549381395"/>
+      </p:ext>
+    </p:extLst>
+  </p:cSld>
+  <p:clrMapOvr>
+    <a:masterClrMapping/>
+  </p:clrMapOvr>
+</p:sld>
+</file>
+
+<file path=ppt/slides/slide27.xml><?xml version="1.0" encoding="utf-8"?>
+<p:sld xmlns:a="http://schemas.openxmlformats.org/drawingml/2006/main" xmlns:r="http://schemas.openxmlformats.org/officeDocument/2006/relationships" xmlns:p="http://schemas.openxmlformats.org/presentationml/2006/main" showMasterSp="0">
+  <p:cSld>
+    <p:spTree>
+      <p:nvGrpSpPr>
+        <p:cNvPr id="1" name=""/>
+        <p:cNvGrpSpPr/>
+        <p:nvPr/>
+      </p:nvGrpSpPr>
+      <p:grpSpPr>
+        <a:xfrm>
+          <a:off x="0" y="0"/>
+          <a:ext cx="0" cy="0"/>
+          <a:chOff x="0" y="0"/>
+          <a:chExt cx="0" cy="0"/>
+        </a:xfrm>
+      </p:grpSpPr>
+      <p:sp>
+        <p:nvSpPr>
+          <p:cNvPr id="3" name="Content Placeholder 2"/>
+          <p:cNvSpPr>
+            <a:spLocks noGrp="1"/>
+          </p:cNvSpPr>
+          <p:nvPr>
+            <p:ph idx="4294967295"/>
+          </p:nvPr>
+        </p:nvSpPr>
+        <p:spPr>
+          <a:xfrm>
+            <a:off x="352696" y="0"/>
+            <a:ext cx="11447417" cy="6858001"/>
+          </a:xfrm>
+        </p:spPr>
+        <p:txBody>
+          <a:bodyPr numCol="1" anchor="ctr">
+            <a:noAutofit/>
+          </a:bodyPr>
+          <a:lstStyle/>
+          <a:p>
+            <a:pPr algn="just" rtl="1">
+              <a:buFont typeface="Wingdings" panose="05000000000000000000" pitchFamily="2" charset="2"/>
+              <a:buChar char="q"/>
+            </a:pPr>
+            <a:r>
+              <a:rPr lang="fa-IR" sz="2400" dirty="0" smtClean="0"/>
+              <a:t>بروز(وقوع) </a:t>
+            </a:r>
+            <a:r>
+              <a:rPr lang="fa-IR" sz="2400" dirty="0"/>
+              <a:t>ویژگی (</a:t>
+            </a:r>
+            <a:r>
+              <a:rPr lang="en-US" sz="2400" dirty="0" smtClean="0"/>
+              <a:t>FI</a:t>
+            </a:r>
+            <a:r>
+              <a:rPr lang="fa-IR" sz="2400" dirty="0" smtClean="0"/>
+              <a:t>)</a:t>
+            </a:r>
+            <a:r>
+              <a:rPr lang="en-US" sz="2400" dirty="0" smtClean="0"/>
+              <a:t>:</a:t>
+            </a:r>
+            <a:endParaRPr lang="en-US" sz="2400" dirty="0"/>
+          </a:p>
+          <a:p>
+            <a:pPr algn="just" rtl="1">
+              <a:buFont typeface="Wingdings" panose="05000000000000000000" pitchFamily="2" charset="2"/>
+              <a:buChar char="q"/>
+            </a:pPr>
+            <a:r>
+              <a:rPr lang="fa-IR" sz="2400" dirty="0"/>
+              <a:t>این نشان دهنده میزان بروز ویژگی بر روی مشخصات خوشه ها است (بروز خوشه ها)،</a:t>
+            </a:r>
+          </a:p>
+          <a:p>
+            <a:pPr algn="just" rtl="1">
+              <a:buFont typeface="Wingdings" panose="05000000000000000000" pitchFamily="2" charset="2"/>
+              <a:buChar char="q"/>
+            </a:pPr>
+            <a:r>
+              <a:rPr lang="fa-IR" sz="2400" dirty="0"/>
+              <a:t>به عنوان مثال، این ویژگی چگونه بر ساختار خوشه تأثیر می گذارد.</a:t>
+            </a:r>
+          </a:p>
+          <a:p>
+            <a:pPr algn="just" rtl="1">
+              <a:buFont typeface="Wingdings" panose="05000000000000000000" pitchFamily="2" charset="2"/>
+              <a:buChar char="q"/>
+            </a:pPr>
+            <a:r>
+              <a:rPr lang="fa-IR" sz="2400" dirty="0"/>
+              <a:t>این شاخص به عنوان یک مجموعه فازی سیگما تعریف می شود که درجه عضویت یک ویژگی توسط الگوریتم </a:t>
+            </a:r>
+            <a:r>
+              <a:rPr lang="en-US" sz="2400" dirty="0"/>
+              <a:t>EFCM </a:t>
+            </a:r>
+            <a:r>
+              <a:rPr lang="fa-IR" sz="2400" dirty="0"/>
+              <a:t>تعیین می شود، پس از شناسایی خوشه های نهایی. به طور دقیق، در هر اجرای الگوریتم، درجه عضویت </a:t>
+            </a:r>
+            <a:r>
+              <a:rPr lang="en-US" sz="2400" dirty="0"/>
+              <a:t>FI </a:t>
+            </a:r>
+            <a:r>
+              <a:rPr lang="fa-IR" sz="2400" dirty="0"/>
+              <a:t>یک ویژگی با در نظر گرفتن مقدار ویژگی فرض شده در مختصات مرکز خوشه، که به طور مناسب در دامنه ویژگی نرمال شده است، محاسبه می‌شود.</a:t>
+            </a:r>
+          </a:p>
+          <a:p>
+            <a:pPr algn="just" rtl="1">
+              <a:buFont typeface="Wingdings" panose="05000000000000000000" pitchFamily="2" charset="2"/>
+              <a:buChar char="q"/>
+            </a:pPr>
+            <a:r>
+              <a:rPr lang="fa-IR" sz="2400" dirty="0"/>
+              <a:t>  به طور رسمی تر، اجازه دهید </a:t>
+            </a:r>
+            <a:r>
+              <a:rPr lang="en-US" sz="2400" dirty="0"/>
+              <a:t>C(t) </a:t>
+            </a:r>
+            <a:r>
+              <a:rPr lang="fa-IR" sz="2400" dirty="0"/>
+              <a:t>تعداد خوشه های شناسایی شده در تکرار </a:t>
+            </a:r>
+            <a:r>
+              <a:rPr lang="en-US" sz="2400" dirty="0"/>
+              <a:t>t </a:t>
+            </a:r>
+            <a:r>
+              <a:rPr lang="fa-IR" sz="2400" dirty="0"/>
+              <a:t>باشد </a:t>
+            </a:r>
+            <a:r>
+              <a:rPr lang="fa-IR" sz="2400" dirty="0" smtClean="0"/>
+              <a:t>و</a:t>
+            </a:r>
+          </a:p>
+          <a:p>
+            <a:pPr algn="just" rtl="1">
+              <a:buFont typeface="Wingdings" panose="05000000000000000000" pitchFamily="2" charset="2"/>
+              <a:buChar char="q"/>
+            </a:pPr>
+            <a:r>
+              <a:rPr lang="fa-IR" sz="2400" dirty="0" smtClean="0"/>
+              <a:t> </a:t>
+            </a:r>
+            <a:r>
+              <a:rPr lang="en-US" sz="2400" dirty="0"/>
+              <a:t>v(t)i = {v(t)i1,…,v(t)in}، </a:t>
+            </a:r>
+            <a:r>
+              <a:rPr lang="fa-IR" sz="2400" dirty="0"/>
+              <a:t>با </a:t>
+            </a:r>
+            <a:r>
+              <a:rPr lang="en-US" sz="2400" dirty="0"/>
+              <a:t>i = 1,2,…, C(t) </a:t>
+            </a:r>
+            <a:r>
+              <a:rPr lang="fa-IR" sz="2400" dirty="0"/>
+              <a:t>مرکز خوشه </a:t>
+            </a:r>
+            <a:r>
+              <a:rPr lang="en-US" sz="2400" dirty="0"/>
+              <a:t>i </a:t>
+            </a:r>
+            <a:r>
+              <a:rPr lang="fa-IR" sz="2400" dirty="0"/>
+              <a:t>است، و اجازه </a:t>
+            </a:r>
+            <a:r>
+              <a:rPr lang="fa-IR" sz="2400" dirty="0" smtClean="0"/>
+              <a:t>دهید</a:t>
+            </a:r>
+          </a:p>
+          <a:p>
+            <a:pPr algn="just" rtl="1">
+              <a:buFont typeface="Wingdings" panose="05000000000000000000" pitchFamily="2" charset="2"/>
+              <a:buChar char="q"/>
+            </a:pPr>
+            <a:r>
+              <a:rPr lang="fa-IR" sz="2400" dirty="0" smtClean="0"/>
+              <a:t> </a:t>
+            </a:r>
+            <a:r>
+              <a:rPr lang="en-US" sz="2400" dirty="0"/>
+              <a:t>minh = meanh - </a:t>
+            </a:r>
+            <a:r>
+              <a:rPr lang="en-US" sz="2400" dirty="0" smtClean="0"/>
+              <a:t>stdh </a:t>
+            </a:r>
+            <a:r>
+              <a:rPr lang="fa-IR" sz="2400" dirty="0"/>
+              <a:t> </a:t>
+            </a:r>
+            <a:r>
+              <a:rPr lang="fa-IR" sz="2400" dirty="0" smtClean="0"/>
+              <a:t>و </a:t>
+            </a:r>
+            <a:r>
+              <a:rPr lang="en-US" sz="2400" dirty="0" smtClean="0"/>
+              <a:t>maxh = meanh + stdh</a:t>
+            </a:r>
+            <a:endParaRPr lang="fa-IR" sz="2400" dirty="0" smtClean="0"/>
+          </a:p>
+          <a:p>
+            <a:pPr algn="just" rtl="1">
+              <a:buFont typeface="Wingdings" panose="05000000000000000000" pitchFamily="2" charset="2"/>
+              <a:buChar char="q"/>
+            </a:pPr>
+            <a:r>
+              <a:rPr lang="fa-IR" sz="2400" dirty="0" smtClean="0"/>
+              <a:t>دو </a:t>
+            </a:r>
+            <a:r>
+              <a:rPr lang="fa-IR" sz="2400" dirty="0"/>
+              <a:t>مقدار مرزی باشند که از محاسبه میانگین </a:t>
+            </a:r>
+            <a:r>
+              <a:rPr lang="fa-IR" sz="2400" dirty="0" smtClean="0"/>
+              <a:t>میانگین</a:t>
+            </a:r>
+            <a:r>
+              <a:rPr lang="en-US" sz="2400" dirty="0" smtClean="0"/>
+              <a:t> h </a:t>
+            </a:r>
+            <a:r>
+              <a:rPr lang="fa-IR" sz="2400" dirty="0" smtClean="0"/>
+              <a:t> </a:t>
+            </a:r>
+            <a:r>
+              <a:rPr lang="fa-IR" sz="2400" dirty="0"/>
+              <a:t>و انحراف </a:t>
+            </a:r>
+            <a:r>
+              <a:rPr lang="fa-IR" sz="2400" dirty="0" smtClean="0"/>
+              <a:t>استاندارد </a:t>
+            </a:r>
+            <a:r>
+              <a:rPr lang="en-US" sz="2400" dirty="0" smtClean="0"/>
+              <a:t> stdh</a:t>
+            </a:r>
+            <a:r>
+              <a:rPr lang="fa-IR" sz="2400" dirty="0"/>
+              <a:t>از مقادیر مولفه </a:t>
+            </a:r>
+            <a:r>
+              <a:rPr lang="en-US" sz="2400" dirty="0"/>
+              <a:t>h </a:t>
+            </a:r>
+            <a:r>
+              <a:rPr lang="fa-IR" sz="2400" dirty="0"/>
+              <a:t>ام در داده ها به دست می‌آیند.</a:t>
+            </a:r>
+          </a:p>
+          <a:p>
+            <a:pPr algn="just" rtl="1">
+              <a:buFont typeface="Wingdings" panose="05000000000000000000" pitchFamily="2" charset="2"/>
+              <a:buChar char="q"/>
+            </a:pPr>
+            <a:r>
+              <a:rPr lang="fa-IR" sz="2400" dirty="0"/>
+              <a:t>سپس مولفه </a:t>
+            </a:r>
+            <a:r>
+              <a:rPr lang="en-US" sz="2400" dirty="0"/>
+              <a:t>h </a:t>
+            </a:r>
+            <a:r>
+              <a:rPr lang="fa-IR" sz="2400" dirty="0" smtClean="0"/>
+              <a:t>ام از </a:t>
+            </a:r>
+            <a:r>
+              <a:rPr lang="fa-IR" sz="2400" dirty="0"/>
+              <a:t>خوشه </a:t>
+            </a:r>
+            <a:r>
+              <a:rPr lang="en-US" sz="2400" dirty="0"/>
+              <a:t>i </a:t>
+            </a:r>
+            <a:r>
+              <a:rPr lang="fa-IR" sz="2400" dirty="0" smtClean="0"/>
+              <a:t> نرمال سازی </a:t>
+            </a:r>
+            <a:r>
+              <a:rPr lang="fa-IR" sz="2400" dirty="0"/>
+              <a:t>می شود</a:t>
+            </a:r>
+            <a:endParaRPr lang="fa-IR" sz="2400" dirty="0" smtClean="0"/>
+          </a:p>
+          <a:p>
+            <a:pPr algn="just" rtl="1"/>
+            <a:endParaRPr lang="fa-IR" sz="1800" dirty="0"/>
+          </a:p>
+        </p:txBody>
+      </p:sp>
+    </p:spTree>
+    <p:extLst>
+      <p:ext uri="{BB962C8B-B14F-4D97-AF65-F5344CB8AC3E}">
+        <p14:creationId xmlns:p14="http://schemas.microsoft.com/office/powerpoint/2010/main" val="2817285649"/>
+      </p:ext>
+    </p:extLst>
+  </p:cSld>
+  <p:clrMapOvr>
+    <a:masterClrMapping/>
+  </p:clrMapOvr>
+</p:sld>
+</file>
+
+<file path=ppt/slides/slide28.xml><?xml version="1.0" encoding="utf-8"?>
+<p:sld xmlns:a="http://schemas.openxmlformats.org/drawingml/2006/main" xmlns:r="http://schemas.openxmlformats.org/officeDocument/2006/relationships" xmlns:p="http://schemas.openxmlformats.org/presentationml/2006/main" showMasterSp="0">
+  <p:cSld>
+    <p:spTree>
+      <p:nvGrpSpPr>
+        <p:cNvPr id="1" name=""/>
+        <p:cNvGrpSpPr/>
+        <p:nvPr/>
+      </p:nvGrpSpPr>
+      <p:grpSpPr>
+        <a:xfrm>
+          <a:off x="0" y="0"/>
+          <a:ext cx="0" cy="0"/>
+          <a:chOff x="0" y="0"/>
+          <a:chExt cx="0" cy="0"/>
+        </a:xfrm>
+      </p:grpSpPr>
+      <p:sp>
+        <p:nvSpPr>
+          <p:cNvPr id="3" name="Content Placeholder 2"/>
+          <p:cNvSpPr>
+            <a:spLocks noGrp="1"/>
+          </p:cNvSpPr>
+          <p:nvPr>
+            <p:ph idx="4294967295"/>
+          </p:nvPr>
+        </p:nvSpPr>
+        <p:spPr>
+          <a:xfrm>
+            <a:off x="352696" y="391886"/>
+            <a:ext cx="11447417" cy="6087291"/>
+          </a:xfrm>
+        </p:spPr>
+        <p:txBody>
+          <a:bodyPr numCol="1" anchor="ctr">
+            <a:noAutofit/>
+          </a:bodyPr>
+          <a:lstStyle/>
+          <a:p>
+            <a:pPr algn="just" rtl="1">
+              <a:buFont typeface="Wingdings" panose="05000000000000000000" pitchFamily="2" charset="2"/>
+              <a:buChar char="q"/>
+            </a:pPr>
+            <a:r>
+              <a:rPr lang="en-US" b="1" dirty="0"/>
+              <a:t>The feature selection </a:t>
+            </a:r>
+            <a:r>
+              <a:rPr lang="en-US" b="1" dirty="0" smtClean="0"/>
+              <a:t>algorithm</a:t>
+            </a:r>
+            <a:endParaRPr lang="fa-IR" sz="1800" dirty="0" smtClean="0"/>
+          </a:p>
+          <a:p>
+            <a:pPr algn="just" rtl="1">
+              <a:buFont typeface="Wingdings" panose="05000000000000000000" pitchFamily="2" charset="2"/>
+              <a:buChar char="q"/>
+            </a:pPr>
+            <a:r>
+              <a:rPr lang="fa-IR" sz="1800" dirty="0" smtClean="0"/>
+              <a:t>تعادلی </a:t>
+            </a:r>
+            <a:r>
+              <a:rPr lang="fa-IR" sz="1800" dirty="0"/>
+              <a:t>بین دو شاخص </a:t>
+            </a:r>
+            <a:r>
+              <a:rPr lang="en-US" sz="1800" dirty="0"/>
+              <a:t>FR </a:t>
+            </a:r>
+            <a:r>
+              <a:rPr lang="fa-IR" sz="1800" dirty="0"/>
+              <a:t>و </a:t>
+            </a:r>
+            <a:r>
+              <a:rPr lang="en-US" sz="1800" dirty="0"/>
+              <a:t>FI </a:t>
+            </a:r>
+            <a:r>
+              <a:rPr lang="fa-IR" sz="1800" dirty="0"/>
+              <a:t>پیدا می کند.</a:t>
+            </a:r>
+          </a:p>
+          <a:p>
+            <a:pPr algn="just" rtl="1">
+              <a:buFont typeface="Wingdings" panose="05000000000000000000" pitchFamily="2" charset="2"/>
+              <a:buChar char="q"/>
+            </a:pPr>
+            <a:r>
+              <a:rPr lang="fa-IR" sz="1800" dirty="0"/>
+              <a:t>متخصص یک امتیاز مربوط به هر ویژگی را مرتبط می کند.</a:t>
+            </a:r>
+          </a:p>
+          <a:p>
+            <a:pPr algn="just" rtl="1">
+              <a:buFont typeface="Wingdings" panose="05000000000000000000" pitchFamily="2" charset="2"/>
+              <a:buChar char="q"/>
+            </a:pPr>
+            <a:r>
+              <a:rPr lang="fa-IR" sz="1800" dirty="0"/>
+              <a:t>این مقادیر اجازه ساختن شاخص </a:t>
+            </a:r>
+            <a:r>
+              <a:rPr lang="en-US" sz="1800" dirty="0"/>
+              <a:t>FR </a:t>
+            </a:r>
+            <a:r>
+              <a:rPr lang="fa-IR" sz="1800" dirty="0"/>
+              <a:t>را می دهد و در الگوریتم برای وزن دادن به ویژگی ها، با در نظر گرفتن شاخص </a:t>
+            </a:r>
+            <a:r>
+              <a:rPr lang="en-US" sz="1800" dirty="0"/>
+              <a:t>FI </a:t>
+            </a:r>
+            <a:r>
+              <a:rPr lang="fa-IR" sz="1800" dirty="0"/>
+              <a:t>نیز استفاده می شود.</a:t>
+            </a:r>
+          </a:p>
+          <a:p>
+            <a:pPr algn="just" rtl="1">
+              <a:buFont typeface="Wingdings" panose="05000000000000000000" pitchFamily="2" charset="2"/>
+              <a:buChar char="q"/>
+            </a:pPr>
+            <a:r>
+              <a:rPr lang="fa-IR" sz="1800" dirty="0"/>
+              <a:t>الگوریتم یک فرآیند تکراری را پیاده سازی می کند:</a:t>
+            </a:r>
+          </a:p>
+          <a:p>
+            <a:pPr algn="just" rtl="1">
+              <a:buFont typeface="Wingdings" panose="05000000000000000000" pitchFamily="2" charset="2"/>
+              <a:buChar char="q"/>
+            </a:pPr>
+            <a:r>
+              <a:rPr lang="fa-IR" sz="1800" dirty="0"/>
+              <a:t>در هر تکرار، تابع بهینه‌سازی </a:t>
+            </a:r>
+            <a:r>
+              <a:rPr lang="en-US" sz="1800" dirty="0"/>
+              <a:t>EFCM </a:t>
+            </a:r>
+            <a:r>
+              <a:rPr lang="fa-IR" sz="1800" dirty="0"/>
+              <a:t>به ارزیابی میزان بروز هر ویژگی در ساختار خوشه‌بندی کمک می‌کند.</a:t>
+            </a:r>
+          </a:p>
+          <a:p>
+            <a:pPr algn="just" rtl="1">
+              <a:buFont typeface="Wingdings" panose="05000000000000000000" pitchFamily="2" charset="2"/>
+              <a:buChar char="q"/>
+            </a:pPr>
+            <a:r>
+              <a:rPr lang="fa-IR" sz="1800" dirty="0"/>
+              <a:t>مقادیر ویژگی که در مختصات مرکز خوشه در نظر گرفته شده است، در واقع به ساختن شاخص </a:t>
+            </a:r>
+            <a:r>
+              <a:rPr lang="en-US" sz="1800" dirty="0"/>
+              <a:t>FI، </a:t>
+            </a:r>
+            <a:r>
+              <a:rPr lang="fa-IR" sz="1800" dirty="0"/>
+              <a:t>مطابق با معادلات (9)-(10) اجازه می دهد.</a:t>
+            </a:r>
+          </a:p>
+          <a:p>
+            <a:pPr algn="just" rtl="1">
+              <a:buFont typeface="Wingdings" panose="05000000000000000000" pitchFamily="2" charset="2"/>
+              <a:buChar char="q"/>
+            </a:pPr>
+            <a:r>
+              <a:rPr lang="fa-IR" sz="1800" dirty="0"/>
+              <a:t>زمانی که به یک شرط پایداری رسید، الگوریتم متوقف می شود،</a:t>
+            </a:r>
+          </a:p>
+          <a:p>
+            <a:pPr algn="just" rtl="1">
+              <a:buFont typeface="Wingdings" panose="05000000000000000000" pitchFamily="2" charset="2"/>
+              <a:buChar char="q"/>
+            </a:pPr>
+            <a:r>
+              <a:rPr lang="fa-IR" sz="1800" dirty="0"/>
+              <a:t>به عنوان مثال، زمانی که تفاوت درجات عضویت </a:t>
+            </a:r>
+            <a:r>
+              <a:rPr lang="en-US" sz="1800" dirty="0"/>
+              <a:t>FI </a:t>
+            </a:r>
+            <a:r>
+              <a:rPr lang="fa-IR" sz="1800" dirty="0"/>
+              <a:t>یک ویژگی بین دو تکرار متوالی زیر یک آستانه پیشوندی باشد. در غیر این صورت،</a:t>
+            </a:r>
+          </a:p>
+          <a:p>
+            <a:pPr algn="just" rtl="1">
+              <a:buFont typeface="Wingdings" panose="05000000000000000000" pitchFamily="2" charset="2"/>
+              <a:buChar char="q"/>
+            </a:pPr>
+            <a:r>
+              <a:rPr lang="fa-IR" sz="1800" dirty="0"/>
+              <a:t>به عنوان مثال، اگر شرایط پایداری برقرار نباشد، تجزیه و تحلیل بیشتر، انجام شده روی دو شاخص، امکان حذف تعیین ویژگی‌های کاندید را فراهم می‌کند.</a:t>
+            </a:r>
+          </a:p>
+          <a:p>
+            <a:pPr algn="just" rtl="1">
+              <a:buFont typeface="Wingdings" panose="05000000000000000000" pitchFamily="2" charset="2"/>
+              <a:buChar char="q"/>
+            </a:pPr>
+            <a:r>
+              <a:rPr lang="fa-IR" sz="1800" dirty="0"/>
+              <a:t>این فرآیند با توجه به ویژگی های باقی مانده دوباره تکرار می شود.</a:t>
+            </a:r>
+            <a:endParaRPr lang="fa-IR" sz="1400" dirty="0"/>
+          </a:p>
+        </p:txBody>
+      </p:sp>
+    </p:spTree>
+    <p:extLst>
+      <p:ext uri="{BB962C8B-B14F-4D97-AF65-F5344CB8AC3E}">
+        <p14:creationId xmlns:p14="http://schemas.microsoft.com/office/powerpoint/2010/main" val="3903047067"/>
+      </p:ext>
+    </p:extLst>
+  </p:cSld>
+  <p:clrMapOvr>
+    <a:masterClrMapping/>
+  </p:clrMapOvr>
+</p:sld>
+</file>
+
+<file path=ppt/slides/slide29.xml><?xml version="1.0" encoding="utf-8"?>
+<p:sld xmlns:a="http://schemas.openxmlformats.org/drawingml/2006/main" xmlns:r="http://schemas.openxmlformats.org/officeDocument/2006/relationships" xmlns:p="http://schemas.openxmlformats.org/presentationml/2006/main" showMasterSp="0">
+  <p:cSld>
+    <p:spTree>
+      <p:nvGrpSpPr>
+        <p:cNvPr id="1" name=""/>
+        <p:cNvGrpSpPr/>
+        <p:nvPr/>
+      </p:nvGrpSpPr>
+      <p:grpSpPr>
+        <a:xfrm>
+          <a:off x="0" y="0"/>
+          <a:ext cx="0" cy="0"/>
+          <a:chOff x="0" y="0"/>
+          <a:chExt cx="0" cy="0"/>
+        </a:xfrm>
+      </p:grpSpPr>
+      <p:pic>
+        <p:nvPicPr>
+          <p:cNvPr id="2" name="Picture 1"/>
+          <p:cNvPicPr>
+            <a:picLocks noChangeAspect="1"/>
+          </p:cNvPicPr>
+          <p:nvPr/>
+        </p:nvPicPr>
+        <p:blipFill rotWithShape="1">
+          <a:blip r:embed="rId2"/>
+          <a:srcRect l="16554" t="21340" r="23748" b="8124"/>
+          <a:stretch/>
+        </p:blipFill>
+        <p:spPr>
+          <a:xfrm>
+            <a:off x="1227910" y="77316"/>
+            <a:ext cx="10149840" cy="6772277"/>
+          </a:xfrm>
+          <a:prstGeom prst="rect">
+            <a:avLst/>
+          </a:prstGeom>
+        </p:spPr>
+      </p:pic>
+    </p:spTree>
+    <p:extLst>
+      <p:ext uri="{BB962C8B-B14F-4D97-AF65-F5344CB8AC3E}">
+        <p14:creationId xmlns:p14="http://schemas.microsoft.com/office/powerpoint/2010/main" val="181218806"/>
+      </p:ext>
+    </p:extLst>
+  </p:cSld>
+  <p:clrMapOvr>
+    <a:masterClrMapping/>
+  </p:clrMapOvr>
+</p:sld>
+</file>
+
 <file path=ppt/slides/slide3.xml><?xml version="1.0" encoding="utf-8"?>
 <p:sld xmlns:a="http://schemas.openxmlformats.org/drawingml/2006/main" xmlns:r="http://schemas.openxmlformats.org/officeDocument/2006/relationships" xmlns:p="http://schemas.openxmlformats.org/presentationml/2006/main">
   <p:cSld>
@@ -6102,6 +8571,59 @@
     <p:extLst>
       <p:ext uri="{BB962C8B-B14F-4D97-AF65-F5344CB8AC3E}">
         <p14:creationId xmlns:p14="http://schemas.microsoft.com/office/powerpoint/2010/main" val="1628245847"/>
+      </p:ext>
+    </p:extLst>
+  </p:cSld>
+  <p:clrMapOvr>
+    <a:masterClrMapping/>
+  </p:clrMapOvr>
+</p:sld>
+</file>
+
+<file path=ppt/slides/slide30.xml><?xml version="1.0" encoding="utf-8"?>
+<p:sld xmlns:a="http://schemas.openxmlformats.org/drawingml/2006/main" xmlns:r="http://schemas.openxmlformats.org/officeDocument/2006/relationships" xmlns:p="http://schemas.openxmlformats.org/presentationml/2006/main" showMasterSp="0">
+  <p:cSld>
+    <p:spTree>
+      <p:nvGrpSpPr>
+        <p:cNvPr id="1" name=""/>
+        <p:cNvGrpSpPr/>
+        <p:nvPr/>
+      </p:nvGrpSpPr>
+      <p:grpSpPr>
+        <a:xfrm>
+          <a:off x="0" y="0"/>
+          <a:ext cx="0" cy="0"/>
+          <a:chOff x="0" y="0"/>
+          <a:chExt cx="0" cy="0"/>
+        </a:xfrm>
+      </p:grpSpPr>
+      <p:pic>
+        <p:nvPicPr>
+          <p:cNvPr id="4" name="Picture 3"/>
+          <p:cNvPicPr>
+            <a:picLocks noChangeAspect="1"/>
+          </p:cNvPicPr>
+          <p:nvPr/>
+        </p:nvPicPr>
+        <p:blipFill rotWithShape="1">
+          <a:blip r:embed="rId2"/>
+          <a:srcRect l="16756" t="23840" r="19714" b="12947"/>
+          <a:stretch/>
+        </p:blipFill>
+        <p:spPr>
+          <a:xfrm>
+            <a:off x="535136" y="209005"/>
+            <a:ext cx="11391253" cy="6400801"/>
+          </a:xfrm>
+          <a:prstGeom prst="rect">
+            <a:avLst/>
+          </a:prstGeom>
+        </p:spPr>
+      </p:pic>
+    </p:spTree>
+    <p:extLst>
+      <p:ext uri="{BB962C8B-B14F-4D97-AF65-F5344CB8AC3E}">
+        <p14:creationId xmlns:p14="http://schemas.microsoft.com/office/powerpoint/2010/main" val="1340173505"/>
       </p:ext>
     </p:extLst>
   </p:cSld>
